--- a/PresentationCues.pptx
+++ b/PresentationCues.pptx
@@ -17,10 +17,9 @@
     <p:sldId id="265" r:id="rId11"/>
     <p:sldId id="266" r:id="rId12"/>
     <p:sldId id="272" r:id="rId13"/>
-    <p:sldId id="267" r:id="rId14"/>
-    <p:sldId id="268" r:id="rId15"/>
-    <p:sldId id="269" r:id="rId16"/>
-    <p:sldId id="270" r:id="rId17"/>
+    <p:sldId id="268" r:id="rId14"/>
+    <p:sldId id="269" r:id="rId15"/>
+    <p:sldId id="270" r:id="rId16"/>
   </p:sldIdLst>
   <p:sldSz cx="9144000" cy="6858000" type="screen4x3"/>
   <p:notesSz cx="7315200" cy="9601200"/>
@@ -303,7 +302,8 @@
           <a:p>
             <a:fld id="{1CD4F2B0-E17D-4754-A007-02536F57FA24}" type="datetimeFigureOut">
               <a:rPr lang="en-US" smtClean="0"/>
-              <a:t>10/5/2018</a:t>
+              <a:pPr/>
+              <a:t>10/8/2018</a:t>
             </a:fld>
             <a:endParaRPr lang="en-US"/>
           </a:p>
@@ -345,6 +345,7 @@
           <a:p>
             <a:fld id="{FE83F21D-2B49-4CD8-AA1C-A39E031D62D2}" type="slidenum">
               <a:rPr lang="en-US" smtClean="0"/>
+              <a:pPr/>
               <a:t>‹#›</a:t>
             </a:fld>
             <a:endParaRPr lang="en-US"/>
@@ -468,7 +469,8 @@
           <a:p>
             <a:fld id="{1CD4F2B0-E17D-4754-A007-02536F57FA24}" type="datetimeFigureOut">
               <a:rPr lang="en-US" smtClean="0"/>
-              <a:t>10/5/2018</a:t>
+              <a:pPr/>
+              <a:t>10/8/2018</a:t>
             </a:fld>
             <a:endParaRPr lang="en-US"/>
           </a:p>
@@ -510,6 +512,7 @@
           <a:p>
             <a:fld id="{FE83F21D-2B49-4CD8-AA1C-A39E031D62D2}" type="slidenum">
               <a:rPr lang="en-US" smtClean="0"/>
+              <a:pPr/>
               <a:t>‹#›</a:t>
             </a:fld>
             <a:endParaRPr lang="en-US"/>
@@ -643,7 +646,8 @@
           <a:p>
             <a:fld id="{1CD4F2B0-E17D-4754-A007-02536F57FA24}" type="datetimeFigureOut">
               <a:rPr lang="en-US" smtClean="0"/>
-              <a:t>10/5/2018</a:t>
+              <a:pPr/>
+              <a:t>10/8/2018</a:t>
             </a:fld>
             <a:endParaRPr lang="en-US"/>
           </a:p>
@@ -685,6 +689,7 @@
           <a:p>
             <a:fld id="{FE83F21D-2B49-4CD8-AA1C-A39E031D62D2}" type="slidenum">
               <a:rPr lang="en-US" smtClean="0"/>
+              <a:pPr/>
               <a:t>‹#›</a:t>
             </a:fld>
             <a:endParaRPr lang="en-US"/>
@@ -808,7 +813,8 @@
           <a:p>
             <a:fld id="{1CD4F2B0-E17D-4754-A007-02536F57FA24}" type="datetimeFigureOut">
               <a:rPr lang="en-US" smtClean="0"/>
-              <a:t>10/5/2018</a:t>
+              <a:pPr/>
+              <a:t>10/8/2018</a:t>
             </a:fld>
             <a:endParaRPr lang="en-US"/>
           </a:p>
@@ -850,6 +856,7 @@
           <a:p>
             <a:fld id="{FE83F21D-2B49-4CD8-AA1C-A39E031D62D2}" type="slidenum">
               <a:rPr lang="en-US" smtClean="0"/>
+              <a:pPr/>
               <a:t>‹#›</a:t>
             </a:fld>
             <a:endParaRPr lang="en-US"/>
@@ -1049,7 +1056,8 @@
           <a:p>
             <a:fld id="{1CD4F2B0-E17D-4754-A007-02536F57FA24}" type="datetimeFigureOut">
               <a:rPr lang="en-US" smtClean="0"/>
-              <a:t>10/5/2018</a:t>
+              <a:pPr/>
+              <a:t>10/8/2018</a:t>
             </a:fld>
             <a:endParaRPr lang="en-US"/>
           </a:p>
@@ -1091,6 +1099,7 @@
           <a:p>
             <a:fld id="{FE83F21D-2B49-4CD8-AA1C-A39E031D62D2}" type="slidenum">
               <a:rPr lang="en-US" smtClean="0"/>
+              <a:pPr/>
               <a:t>‹#›</a:t>
             </a:fld>
             <a:endParaRPr lang="en-US"/>
@@ -1332,7 +1341,8 @@
           <a:p>
             <a:fld id="{1CD4F2B0-E17D-4754-A007-02536F57FA24}" type="datetimeFigureOut">
               <a:rPr lang="en-US" smtClean="0"/>
-              <a:t>10/5/2018</a:t>
+              <a:pPr/>
+              <a:t>10/8/2018</a:t>
             </a:fld>
             <a:endParaRPr lang="en-US"/>
           </a:p>
@@ -1374,6 +1384,7 @@
           <a:p>
             <a:fld id="{FE83F21D-2B49-4CD8-AA1C-A39E031D62D2}" type="slidenum">
               <a:rPr lang="en-US" smtClean="0"/>
+              <a:pPr/>
               <a:t>‹#›</a:t>
             </a:fld>
             <a:endParaRPr lang="en-US"/>
@@ -1749,7 +1760,8 @@
           <a:p>
             <a:fld id="{1CD4F2B0-E17D-4754-A007-02536F57FA24}" type="datetimeFigureOut">
               <a:rPr lang="en-US" smtClean="0"/>
-              <a:t>10/5/2018</a:t>
+              <a:pPr/>
+              <a:t>10/8/2018</a:t>
             </a:fld>
             <a:endParaRPr lang="en-US"/>
           </a:p>
@@ -1791,6 +1803,7 @@
           <a:p>
             <a:fld id="{FE83F21D-2B49-4CD8-AA1C-A39E031D62D2}" type="slidenum">
               <a:rPr lang="en-US" smtClean="0"/>
+              <a:pPr/>
               <a:t>‹#›</a:t>
             </a:fld>
             <a:endParaRPr lang="en-US"/>
@@ -1862,7 +1875,8 @@
           <a:p>
             <a:fld id="{1CD4F2B0-E17D-4754-A007-02536F57FA24}" type="datetimeFigureOut">
               <a:rPr lang="en-US" smtClean="0"/>
-              <a:t>10/5/2018</a:t>
+              <a:pPr/>
+              <a:t>10/8/2018</a:t>
             </a:fld>
             <a:endParaRPr lang="en-US"/>
           </a:p>
@@ -1904,6 +1918,7 @@
           <a:p>
             <a:fld id="{FE83F21D-2B49-4CD8-AA1C-A39E031D62D2}" type="slidenum">
               <a:rPr lang="en-US" smtClean="0"/>
+              <a:pPr/>
               <a:t>‹#›</a:t>
             </a:fld>
             <a:endParaRPr lang="en-US"/>
@@ -1952,7 +1967,8 @@
           <a:p>
             <a:fld id="{1CD4F2B0-E17D-4754-A007-02536F57FA24}" type="datetimeFigureOut">
               <a:rPr lang="en-US" smtClean="0"/>
-              <a:t>10/5/2018</a:t>
+              <a:pPr/>
+              <a:t>10/8/2018</a:t>
             </a:fld>
             <a:endParaRPr lang="en-US"/>
           </a:p>
@@ -1994,6 +2010,7 @@
           <a:p>
             <a:fld id="{FE83F21D-2B49-4CD8-AA1C-A39E031D62D2}" type="slidenum">
               <a:rPr lang="en-US" smtClean="0"/>
+              <a:pPr/>
               <a:t>‹#›</a:t>
             </a:fld>
             <a:endParaRPr lang="en-US"/>
@@ -2224,7 +2241,8 @@
           <a:p>
             <a:fld id="{1CD4F2B0-E17D-4754-A007-02536F57FA24}" type="datetimeFigureOut">
               <a:rPr lang="en-US" smtClean="0"/>
-              <a:t>10/5/2018</a:t>
+              <a:pPr/>
+              <a:t>10/8/2018</a:t>
             </a:fld>
             <a:endParaRPr lang="en-US"/>
           </a:p>
@@ -2266,6 +2284,7 @@
           <a:p>
             <a:fld id="{FE83F21D-2B49-4CD8-AA1C-A39E031D62D2}" type="slidenum">
               <a:rPr lang="en-US" smtClean="0"/>
+              <a:pPr/>
               <a:t>‹#›</a:t>
             </a:fld>
             <a:endParaRPr lang="en-US"/>
@@ -2472,7 +2491,8 @@
           <a:p>
             <a:fld id="{1CD4F2B0-E17D-4754-A007-02536F57FA24}" type="datetimeFigureOut">
               <a:rPr lang="en-US" smtClean="0"/>
-              <a:t>10/5/2018</a:t>
+              <a:pPr/>
+              <a:t>10/8/2018</a:t>
             </a:fld>
             <a:endParaRPr lang="en-US"/>
           </a:p>
@@ -2514,6 +2534,7 @@
           <a:p>
             <a:fld id="{FE83F21D-2B49-4CD8-AA1C-A39E031D62D2}" type="slidenum">
               <a:rPr lang="en-US" smtClean="0"/>
+              <a:pPr/>
               <a:t>‹#›</a:t>
             </a:fld>
             <a:endParaRPr lang="en-US"/>
@@ -2680,7 +2701,8 @@
           <a:p>
             <a:fld id="{1CD4F2B0-E17D-4754-A007-02536F57FA24}" type="datetimeFigureOut">
               <a:rPr lang="en-US" smtClean="0"/>
-              <a:t>10/5/2018</a:t>
+              <a:pPr/>
+              <a:t>10/8/2018</a:t>
             </a:fld>
             <a:endParaRPr lang="en-US"/>
           </a:p>
@@ -2758,6 +2780,7 @@
           <a:p>
             <a:fld id="{FE83F21D-2B49-4CD8-AA1C-A39E031D62D2}" type="slidenum">
               <a:rPr lang="en-US" smtClean="0"/>
+              <a:pPr/>
               <a:t>‹#›</a:t>
             </a:fld>
             <a:endParaRPr lang="en-US"/>
@@ -3068,38 +3091,71 @@
         </p:spPr>
         <p:txBody>
           <a:bodyPr>
-            <a:normAutofit fontScale="77500" lnSpcReduction="20000"/>
+            <a:normAutofit/>
           </a:bodyPr>
           <a:lstStyle/>
           <a:p>
             <a:pPr algn="l"/>
-            <a:endParaRPr lang="en-US" dirty="0" smtClean="0"/>
-          </a:p>
-          <a:p>
-            <a:pPr algn="l"/>
-            <a:r>
-              <a:rPr lang="en-US" dirty="0" smtClean="0">
+            <a:r>
+              <a:rPr lang="en-US" sz="2800" dirty="0" smtClean="0">
                 <a:solidFill>
                   <a:schemeClr val="tx1"/>
                 </a:solidFill>
               </a:rPr>
-              <a:t>This You Tube illustrates from start to finish </a:t>
-            </a:r>
-          </a:p>
-          <a:p>
-            <a:pPr algn="l"/>
-            <a:r>
-              <a:rPr lang="en-US" dirty="0" smtClean="0">
+              <a:t>This video illustrates, </a:t>
+            </a:r>
+            <a:r>
+              <a:rPr lang="en-US" sz="2800" dirty="0" smtClean="0">
                 <a:solidFill>
                   <a:schemeClr val="tx1"/>
                 </a:solidFill>
               </a:rPr>
-              <a:t>creation of some Bluetooth low energy functionality.</a:t>
+              <a:t>from start to </a:t>
+            </a:r>
+            <a:r>
+              <a:rPr lang="en-US" sz="2800" dirty="0" smtClean="0">
+                <a:solidFill>
+                  <a:schemeClr val="tx1"/>
+                </a:solidFill>
+              </a:rPr>
+              <a:t>finish, creation </a:t>
+            </a:r>
+            <a:r>
+              <a:rPr lang="en-US" sz="2800" dirty="0" smtClean="0">
+                <a:solidFill>
+                  <a:schemeClr val="tx1"/>
+                </a:solidFill>
+              </a:rPr>
+              <a:t>of </a:t>
+            </a:r>
+            <a:r>
+              <a:rPr lang="en-US" sz="2800" dirty="0" smtClean="0">
+                <a:solidFill>
+                  <a:schemeClr val="tx1"/>
+                </a:solidFill>
+              </a:rPr>
+              <a:t> </a:t>
+            </a:r>
+            <a:r>
+              <a:rPr lang="en-US" sz="2800" dirty="0" smtClean="0">
+                <a:solidFill>
+                  <a:schemeClr val="tx1"/>
+                </a:solidFill>
+              </a:rPr>
+              <a:t>Bluetooth low energy functionality</a:t>
+            </a:r>
+            <a:r>
+              <a:rPr lang="en-US" sz="2800" dirty="0" smtClean="0">
+                <a:solidFill>
+                  <a:schemeClr val="tx1"/>
+                </a:solidFill>
+              </a:rPr>
+              <a:t>.</a:t>
             </a:r>
           </a:p>
           <a:p>
             <a:pPr algn="l"/>
-            <a:endParaRPr lang="en-US" dirty="0" smtClean="0">
+            <a:endParaRPr lang="en-US" sz="1900" dirty="0" smtClean="0">
               <a:solidFill>
                 <a:schemeClr val="tx1"/>
               </a:solidFill>
@@ -3108,40 +3164,198 @@
           <a:p>
             <a:pPr algn="l"/>
             <a:r>
-              <a:rPr lang="en-US" dirty="0" smtClean="0">
+              <a:rPr lang="en-US" sz="3000" dirty="0" smtClean="0">
                 <a:solidFill>
                   <a:schemeClr val="tx1"/>
                 </a:solidFill>
               </a:rPr>
-              <a:t>We use a Nordic Semiconductor nRF52832 ARM cortex MF4</a:t>
-            </a:r>
-          </a:p>
-          <a:p>
-            <a:pPr algn="l"/>
-            <a:r>
-              <a:rPr lang="en-US" dirty="0" smtClean="0">
+              <a:t>The hardware is a</a:t>
+            </a:r>
+            <a:r>
+              <a:rPr lang="en-US" sz="3000" dirty="0" smtClean="0">
                 <a:solidFill>
                   <a:schemeClr val="tx1"/>
                 </a:solidFill>
               </a:rPr>
-              <a:t>Micro-controller and a DAP link USB com port and debug</a:t>
-            </a:r>
-          </a:p>
-          <a:p>
-            <a:pPr algn="l"/>
-            <a:r>
-              <a:rPr lang="en-US" dirty="0" smtClean="0">
+              <a:t> </a:t>
+            </a:r>
+            <a:r>
+              <a:rPr lang="en-US" sz="3000" dirty="0" smtClean="0">
                 <a:solidFill>
                   <a:schemeClr val="tx1"/>
                 </a:solidFill>
               </a:rPr>
-              <a:t>interface and we develop code for it with the C++</a:t>
+              <a:t>“</a:t>
+            </a:r>
+            <a:r>
+              <a:rPr lang="en-US" sz="3000" dirty="0" err="1" smtClean="0">
+                <a:solidFill>
+                  <a:schemeClr val="tx1"/>
+                </a:solidFill>
+              </a:rPr>
+              <a:t>RedBear</a:t>
+            </a:r>
+            <a:r>
+              <a:rPr lang="en-US" sz="3000" dirty="0" smtClean="0">
+                <a:solidFill>
+                  <a:schemeClr val="tx1"/>
+                </a:solidFill>
+              </a:rPr>
+              <a:t> BLE </a:t>
+            </a:r>
+            <a:r>
+              <a:rPr lang="en-US" sz="3000" dirty="0" err="1" smtClean="0">
+                <a:solidFill>
+                  <a:schemeClr val="tx1"/>
+                </a:solidFill>
+              </a:rPr>
+              <a:t>Nano</a:t>
+            </a:r>
+            <a:r>
+              <a:rPr lang="en-US" sz="3000" dirty="0" smtClean="0">
+                <a:solidFill>
+                  <a:schemeClr val="tx1"/>
+                </a:solidFill>
+              </a:rPr>
+              <a:t> – 2”.</a:t>
             </a:r>
           </a:p>
           <a:p>
             <a:pPr algn="l"/>
             <a:r>
-              <a:rPr lang="en-US" dirty="0" err="1" smtClean="0">
+              <a:rPr lang="en-US" sz="3000" dirty="0" smtClean="0">
+                <a:solidFill>
+                  <a:schemeClr val="tx1"/>
+                </a:solidFill>
+              </a:rPr>
+              <a:t>Red Bear is now part of particle.io.  They make</a:t>
+            </a:r>
+          </a:p>
+          <a:p>
+            <a:pPr algn="l"/>
+            <a:r>
+              <a:rPr lang="en-US" sz="3000" dirty="0" smtClean="0">
+                <a:solidFill>
+                  <a:schemeClr val="tx1"/>
+                </a:solidFill>
+              </a:rPr>
+              <a:t>many kinds of these powerful little </a:t>
+            </a:r>
+            <a:r>
+              <a:rPr lang="en-US" sz="3000" dirty="0" smtClean="0">
+                <a:solidFill>
+                  <a:schemeClr val="tx1"/>
+                </a:solidFill>
+              </a:rPr>
+              <a:t> devices</a:t>
+            </a:r>
+            <a:r>
+              <a:rPr lang="en-US" sz="3000" dirty="0" smtClean="0">
+                <a:solidFill>
+                  <a:schemeClr val="tx1"/>
+                </a:solidFill>
+              </a:rPr>
+              <a:t>.</a:t>
+            </a:r>
+          </a:p>
+          <a:p>
+            <a:pPr algn="l"/>
+            <a:endParaRPr lang="en-US" sz="2000" dirty="0" smtClean="0">
+              <a:solidFill>
+                <a:schemeClr val="tx1"/>
+              </a:solidFill>
+            </a:endParaRPr>
+          </a:p>
+          <a:p>
+            <a:pPr algn="l"/>
+            <a:r>
+              <a:rPr lang="en-US" sz="3000" dirty="0" smtClean="0">
+                <a:solidFill>
+                  <a:schemeClr val="tx1"/>
+                </a:solidFill>
+              </a:rPr>
+              <a:t>It has a Nordic  </a:t>
+            </a:r>
+            <a:r>
+              <a:rPr lang="en-US" sz="3000" dirty="0" smtClean="0">
+                <a:solidFill>
+                  <a:schemeClr val="tx1"/>
+                </a:solidFill>
+              </a:rPr>
+              <a:t>nRF52832 ARM cortex MF4</a:t>
+            </a:r>
+          </a:p>
+          <a:p>
+            <a:pPr algn="l"/>
+            <a:r>
+              <a:rPr lang="en-US" sz="3000" dirty="0" smtClean="0">
+                <a:solidFill>
+                  <a:schemeClr val="tx1"/>
+                </a:solidFill>
+              </a:rPr>
+              <a:t>Micro-controller and </a:t>
+            </a:r>
+            <a:r>
+              <a:rPr lang="en-US" sz="3000" dirty="0" smtClean="0">
+                <a:solidFill>
+                  <a:schemeClr val="tx1"/>
+                </a:solidFill>
+              </a:rPr>
+              <a:t> “DAP link” com </a:t>
+            </a:r>
+            <a:r>
+              <a:rPr lang="en-US" sz="3000" dirty="0" smtClean="0">
+                <a:solidFill>
+                  <a:schemeClr val="tx1"/>
+                </a:solidFill>
+              </a:rPr>
+              <a:t>port </a:t>
+            </a:r>
+            <a:r>
+              <a:rPr lang="en-US" sz="3000" dirty="0" smtClean="0">
+                <a:solidFill>
+                  <a:schemeClr val="tx1"/>
+                </a:solidFill>
+              </a:rPr>
+              <a:t>debugger.</a:t>
+            </a:r>
+          </a:p>
+          <a:p>
+            <a:pPr algn="l"/>
+            <a:endParaRPr lang="en-US" sz="2800" dirty="0" smtClean="0">
+              <a:solidFill>
+                <a:schemeClr val="tx1"/>
+              </a:solidFill>
+            </a:endParaRPr>
+          </a:p>
+          <a:p>
+            <a:pPr algn="l"/>
+            <a:r>
+              <a:rPr lang="en-US" sz="2600" dirty="0" smtClean="0">
+                <a:solidFill>
+                  <a:schemeClr val="tx1"/>
+                </a:solidFill>
+              </a:rPr>
+              <a:t>Code is developed with </a:t>
+            </a:r>
+            <a:r>
+              <a:rPr lang="en-US" sz="2600" dirty="0" smtClean="0">
+                <a:solidFill>
+                  <a:schemeClr val="tx1"/>
+                </a:solidFill>
+              </a:rPr>
+              <a:t>the C</a:t>
+            </a:r>
+            <a:r>
+              <a:rPr lang="en-US" sz="2600" dirty="0" smtClean="0">
+                <a:solidFill>
+                  <a:schemeClr val="tx1"/>
+                </a:solidFill>
+              </a:rPr>
+              <a:t>++ </a:t>
+            </a:r>
+            <a:r>
+              <a:rPr lang="en-US" sz="2600" dirty="0" err="1" smtClean="0">
                 <a:solidFill>
                   <a:schemeClr val="tx1"/>
                 </a:solidFill>
@@ -3149,15 +3363,23 @@
               <a:t>Arduino</a:t>
             </a:r>
             <a:r>
-              <a:rPr lang="en-US" dirty="0" smtClean="0">
+              <a:rPr lang="en-US" sz="2600" dirty="0" smtClean="0">
                 <a:solidFill>
                   <a:schemeClr val="tx1"/>
                 </a:solidFill>
               </a:rPr>
-              <a:t> / </a:t>
-            </a:r>
-            <a:r>
-              <a:rPr lang="en-US" dirty="0" err="1" smtClean="0">
+              <a:t> </a:t>
+            </a:r>
+            <a:r>
+              <a:rPr lang="en-US" sz="2600" dirty="0" smtClean="0">
+                <a:solidFill>
+                  <a:schemeClr val="tx1"/>
+                </a:solidFill>
+              </a:rPr>
+              <a:t>/ </a:t>
+            </a:r>
+            <a:r>
+              <a:rPr lang="en-US" sz="2600" dirty="0" err="1" smtClean="0">
                 <a:solidFill>
                   <a:schemeClr val="tx1"/>
                 </a:solidFill>
@@ -3165,104 +3387,12 @@
               <a:t>Genuino</a:t>
             </a:r>
             <a:r>
-              <a:rPr lang="en-US" dirty="0" smtClean="0">
+              <a:rPr lang="en-US" sz="2600" dirty="0" smtClean="0">
                 <a:solidFill>
                   <a:schemeClr val="tx1"/>
                 </a:solidFill>
               </a:rPr>
               <a:t> IDE</a:t>
-            </a:r>
-          </a:p>
-          <a:p>
-            <a:pPr algn="l"/>
-            <a:endParaRPr lang="en-US" dirty="0" smtClean="0">
-              <a:solidFill>
-                <a:schemeClr val="tx1"/>
-              </a:solidFill>
-            </a:endParaRPr>
-          </a:p>
-          <a:p>
-            <a:pPr algn="l"/>
-            <a:r>
-              <a:rPr lang="en-US" dirty="0" smtClean="0">
-                <a:solidFill>
-                  <a:schemeClr val="tx1"/>
-                </a:solidFill>
-              </a:rPr>
-              <a:t>The hardware target is the </a:t>
-            </a:r>
-            <a:r>
-              <a:rPr lang="en-US" dirty="0" err="1" smtClean="0">
-                <a:solidFill>
-                  <a:schemeClr val="tx1"/>
-                </a:solidFill>
-              </a:rPr>
-              <a:t>RedBear</a:t>
-            </a:r>
-            <a:r>
-              <a:rPr lang="en-US" dirty="0" smtClean="0">
-                <a:solidFill>
-                  <a:schemeClr val="tx1"/>
-                </a:solidFill>
-              </a:rPr>
-              <a:t> BLE </a:t>
-            </a:r>
-            <a:r>
-              <a:rPr lang="en-US" dirty="0" err="1" smtClean="0">
-                <a:solidFill>
-                  <a:schemeClr val="tx1"/>
-                </a:solidFill>
-              </a:rPr>
-              <a:t>Nano</a:t>
-            </a:r>
-            <a:r>
-              <a:rPr lang="en-US" dirty="0" smtClean="0">
-                <a:solidFill>
-                  <a:schemeClr val="tx1"/>
-                </a:solidFill>
-              </a:rPr>
-              <a:t> - 2.</a:t>
-            </a:r>
-          </a:p>
-          <a:p>
-            <a:pPr algn="l"/>
-            <a:r>
-              <a:rPr lang="en-US" dirty="0" smtClean="0">
-                <a:solidFill>
-                  <a:schemeClr val="tx1"/>
-                </a:solidFill>
-              </a:rPr>
-              <a:t>A tiny low cost very powerful little board !</a:t>
-            </a:r>
-          </a:p>
-          <a:p>
-            <a:pPr algn="l"/>
-            <a:endParaRPr lang="en-US" dirty="0" smtClean="0">
-              <a:solidFill>
-                <a:schemeClr val="tx1"/>
-              </a:solidFill>
-            </a:endParaRPr>
-          </a:p>
-          <a:p>
-            <a:pPr algn="l"/>
-            <a:r>
-              <a:rPr lang="en-US" dirty="0" smtClean="0">
-                <a:solidFill>
-                  <a:schemeClr val="tx1"/>
-                </a:solidFill>
-              </a:rPr>
-              <a:t>Red Bear is now part of particle.io.  They make</a:t>
-            </a:r>
-          </a:p>
-          <a:p>
-            <a:pPr algn="l"/>
-            <a:r>
-              <a:rPr lang="en-US" dirty="0" smtClean="0">
-                <a:solidFill>
-                  <a:schemeClr val="tx1"/>
-                </a:solidFill>
-              </a:rPr>
-              <a:t>many kinds of these powerful little IOT devices.</a:t>
             </a:r>
           </a:p>
           <a:p>
@@ -3329,7 +3459,7 @@
             </a:pPr>
             <a:r>
               <a:rPr lang="en-US" sz="2800" dirty="0" smtClean="0"/>
-              <a:t>I used the free app "</a:t>
+              <a:t>I  used the "</a:t>
             </a:r>
             <a:r>
               <a:rPr lang="en-US" sz="2800" dirty="0" err="1" smtClean="0"/>
@@ -3337,22 +3467,37 @@
             </a:r>
             <a:r>
               <a:rPr lang="en-US" sz="2800" dirty="0" smtClean="0"/>
-              <a:t>" provided by </a:t>
-            </a:r>
-          </a:p>
-          <a:p>
-            <a:pPr>
-              <a:buNone/>
-            </a:pPr>
-            <a:r>
-              <a:rPr lang="en-US" sz="2800" dirty="0" smtClean="0"/>
-              <a:t>Nordic Semiconductor  to test their technology.</a:t>
-            </a:r>
-          </a:p>
-          <a:p>
-            <a:pPr>
-              <a:buNone/>
-            </a:pPr>
+              <a:t>“ App </a:t>
+            </a:r>
+            <a:r>
+              <a:rPr lang="en-US" sz="2800" dirty="0" smtClean="0"/>
+              <a:t>provided by </a:t>
+            </a:r>
+          </a:p>
+          <a:p>
+            <a:pPr>
+              <a:buNone/>
+            </a:pPr>
+            <a:r>
+              <a:rPr lang="en-US" sz="2800" dirty="0" smtClean="0"/>
+              <a:t>Nordic Semiconductor  to test </a:t>
+            </a:r>
+            <a:r>
+              <a:rPr lang="en-US" sz="2800" dirty="0" smtClean="0"/>
+              <a:t>my </a:t>
+            </a:r>
+            <a:r>
+              <a:rPr lang="en-US" sz="2800" dirty="0" err="1" smtClean="0"/>
+              <a:t>Nano</a:t>
+            </a:r>
+            <a:r>
+              <a:rPr lang="en-US" sz="2800" dirty="0" smtClean="0"/>
+              <a:t> – 2 code</a:t>
+            </a:r>
+            <a:r>
+              <a:rPr lang="en-US" sz="2800" dirty="0" smtClean="0"/>
+              <a:t>.</a:t>
+            </a:r>
             <a:endParaRPr lang="en-US" sz="2800" dirty="0" smtClean="0"/>
           </a:p>
           <a:p>
@@ -3361,13 +3506,12 @@
             </a:pPr>
             <a:r>
               <a:rPr lang="en-US" sz="2800" dirty="0" smtClean="0"/>
-              <a:t>Read the friendly Nordic app manual if you can find it.</a:t>
-            </a:r>
-          </a:p>
-          <a:p>
-            <a:pPr>
-              <a:buNone/>
-            </a:pPr>
+              <a:t>Learn more about this </a:t>
+            </a:r>
+            <a:r>
+              <a:rPr lang="en-US" sz="2800" dirty="0" smtClean="0"/>
+              <a:t>app from Nordic Semi...</a:t>
+            </a:r>
             <a:endParaRPr lang="en-US" sz="2800" dirty="0" smtClean="0"/>
           </a:p>
           <a:p>
@@ -3376,40 +3520,83 @@
             </a:pPr>
             <a:r>
               <a:rPr lang="en-US" sz="2800" dirty="0" smtClean="0"/>
-              <a:t>Or follow these steps in selecting the right buttons</a:t>
-            </a:r>
-          </a:p>
-          <a:p>
-            <a:pPr>
-              <a:buNone/>
-            </a:pPr>
-            <a:r>
-              <a:rPr lang="en-US" sz="2800" dirty="0" smtClean="0"/>
-              <a:t>and dials to see the things you need to see.</a:t>
-            </a:r>
-          </a:p>
-          <a:p>
-            <a:pPr>
-              <a:buNone/>
-            </a:pPr>
+              <a:t>Or -  </a:t>
+            </a:r>
+            <a:r>
+              <a:rPr lang="en-US" sz="2800" dirty="0" smtClean="0"/>
+              <a:t>follow these steps </a:t>
+            </a:r>
+            <a:r>
+              <a:rPr lang="en-US" sz="2800" dirty="0" smtClean="0"/>
+              <a:t>to press the </a:t>
+            </a:r>
+            <a:r>
+              <a:rPr lang="en-US" sz="2800" dirty="0" smtClean="0"/>
+              <a:t>buttons</a:t>
+            </a:r>
+          </a:p>
+          <a:p>
+            <a:pPr>
+              <a:buNone/>
+            </a:pPr>
+            <a:r>
+              <a:rPr lang="en-US" sz="2800" dirty="0" smtClean="0"/>
+              <a:t>to </a:t>
+            </a:r>
+            <a:r>
+              <a:rPr lang="en-US" sz="2800" dirty="0" smtClean="0"/>
+              <a:t>see </a:t>
+            </a:r>
+            <a:r>
+              <a:rPr lang="en-US" sz="2800" dirty="0" smtClean="0"/>
+              <a:t>the "</a:t>
+            </a:r>
+            <a:r>
+              <a:rPr lang="en-US" sz="2800" dirty="0" err="1" smtClean="0"/>
+              <a:t>nrFConnect</a:t>
+            </a:r>
+            <a:r>
+              <a:rPr lang="en-US" sz="2800" dirty="0" smtClean="0"/>
+              <a:t>“ App </a:t>
+            </a:r>
+            <a:r>
+              <a:rPr lang="en-US" sz="2800" dirty="0" smtClean="0"/>
+              <a:t> in action.</a:t>
+            </a:r>
             <a:endParaRPr lang="en-US" sz="2800" dirty="0" smtClean="0"/>
           </a:p>
           <a:p>
             <a:pPr>
               <a:buNone/>
             </a:pPr>
-            <a:r>
-              <a:rPr lang="en-US" sz="2800" dirty="0" smtClean="0"/>
-              <a:t>First you want to find the BLE device out there that </a:t>
-            </a:r>
-          </a:p>
-          <a:p>
-            <a:pPr>
-              <a:buNone/>
-            </a:pPr>
-            <a:r>
-              <a:rPr lang="en-US" sz="2800" dirty="0" smtClean="0"/>
-              <a:t>has our name "</a:t>
+            <a:endParaRPr lang="en-US" sz="1600" dirty="0" smtClean="0"/>
+          </a:p>
+          <a:p>
+            <a:r>
+              <a:rPr lang="en-US" sz="2800" dirty="0" smtClean="0"/>
+              <a:t>First look </a:t>
+            </a:r>
+            <a:r>
+              <a:rPr lang="en-US" sz="2800" dirty="0" smtClean="0"/>
+              <a:t>at on the air </a:t>
+            </a:r>
+            <a:r>
+              <a:rPr lang="en-US" sz="2800" dirty="0" smtClean="0"/>
+              <a:t>BLE </a:t>
+            </a:r>
+            <a:r>
+              <a:rPr lang="en-US" sz="2800" dirty="0" smtClean="0"/>
+              <a:t>devices to find ours. </a:t>
+            </a:r>
+            <a:endParaRPr lang="en-US" sz="2800" dirty="0" smtClean="0"/>
+          </a:p>
+          <a:p>
+            <a:pPr>
+              <a:buNone/>
+            </a:pPr>
+            <a:r>
+              <a:rPr lang="en-US" sz="2800" dirty="0" smtClean="0"/>
+              <a:t>    "</a:t>
             </a:r>
             <a:r>
               <a:rPr lang="en-US" sz="2800" dirty="0" err="1" smtClean="0"/>
@@ -3417,18 +3604,22 @@
             </a:r>
             <a:r>
               <a:rPr lang="en-US" sz="2800" dirty="0" smtClean="0"/>
-              <a:t>" on it. Then</a:t>
-            </a:r>
-          </a:p>
-          <a:p>
-            <a:pPr>
-              <a:buNone/>
-            </a:pPr>
-            <a:r>
-              <a:rPr lang="en-US" sz="2800" dirty="0" smtClean="0"/>
-              <a:t>Press the Connect button.</a:t>
-            </a:r>
-            <a:endParaRPr lang="en-US" sz="2800" dirty="0"/>
+              <a:t>" </a:t>
+            </a:r>
+            <a:r>
+              <a:rPr lang="en-US" sz="2800" dirty="0" smtClean="0"/>
+              <a:t>shows you it is there.</a:t>
+            </a:r>
+            <a:endParaRPr lang="en-US" sz="2800" dirty="0" smtClean="0"/>
+          </a:p>
+          <a:p>
+            <a:endParaRPr lang="en-US" sz="2400" dirty="0" smtClean="0"/>
+          </a:p>
+          <a:p>
+            <a:r>
+              <a:rPr lang="en-US" sz="2800" dirty="0" smtClean="0"/>
+              <a:t>Then Press the Connect button.</a:t>
+            </a:r>
           </a:p>
         </p:txBody>
       </p:sp>
@@ -3494,25 +3685,33 @@
               <a:buNone/>
             </a:pPr>
             <a:r>
-              <a:rPr lang="en-US" sz="2400" dirty="0" smtClean="0"/>
-              <a:t>This opens up the list of our custom Characteristics.</a:t>
-            </a:r>
-          </a:p>
-          <a:p>
-            <a:pPr>
-              <a:buNone/>
-            </a:pPr>
-            <a:endParaRPr lang="en-US" sz="2400" dirty="0" smtClean="0"/>
-          </a:p>
-          <a:p>
-            <a:pPr>
-              <a:buNone/>
-            </a:pPr>
-            <a:r>
-              <a:rPr lang="en-US" sz="2400" dirty="0" smtClean="0"/>
-              <a:t>Click on the Up arrow for the one with WRTE properties.</a:t>
-            </a:r>
-            <a:endParaRPr lang="en-US" sz="2400" dirty="0"/>
+              <a:rPr lang="en-US" sz="2800" dirty="0" smtClean="0"/>
+              <a:t>This opens up the list of </a:t>
+            </a:r>
+            <a:r>
+              <a:rPr lang="en-US" sz="2800" dirty="0" smtClean="0"/>
+              <a:t>custom </a:t>
+            </a:r>
+            <a:r>
+              <a:rPr lang="en-US" sz="2800" dirty="0" smtClean="0"/>
+              <a:t>Characteristics.</a:t>
+            </a:r>
+          </a:p>
+          <a:p>
+            <a:pPr>
+              <a:buNone/>
+            </a:pPr>
+            <a:endParaRPr lang="en-US" sz="2800" dirty="0" smtClean="0"/>
+          </a:p>
+          <a:p>
+            <a:pPr>
+              <a:buNone/>
+            </a:pPr>
+            <a:r>
+              <a:rPr lang="en-US" sz="2800" dirty="0" smtClean="0"/>
+              <a:t>Click on the Up arrow for the one with WRITE property.</a:t>
+            </a:r>
+            <a:endParaRPr lang="en-US" sz="2800" dirty="0"/>
           </a:p>
         </p:txBody>
       </p:sp>
@@ -3579,25 +3778,57 @@
             </a:pPr>
             <a:r>
               <a:rPr lang="en-US" dirty="0" smtClean="0"/>
-              <a:t>Select date type "Text", type in "Joe", </a:t>
-            </a:r>
-          </a:p>
-          <a:p>
-            <a:pPr>
-              <a:buNone/>
-            </a:pPr>
-            <a:r>
-              <a:rPr lang="en-US" dirty="0" smtClean="0"/>
-              <a:t>make advanced select "Command"</a:t>
-            </a:r>
-          </a:p>
-          <a:p>
-            <a:pPr>
-              <a:buNone/>
-            </a:pPr>
-            <a:r>
-              <a:rPr lang="en-US" dirty="0" smtClean="0"/>
-              <a:t>Save as load choice  "Joe1"</a:t>
+              <a:t>Select date type "Text", type in "</a:t>
+            </a:r>
+            <a:r>
+              <a:rPr lang="en-US" dirty="0" smtClean="0"/>
+              <a:t>Joe“.</a:t>
+            </a:r>
+          </a:p>
+          <a:p>
+            <a:pPr>
+              <a:buNone/>
+            </a:pPr>
+            <a:r>
+              <a:rPr lang="en-US" dirty="0" smtClean="0"/>
+              <a:t> </a:t>
+            </a:r>
+            <a:endParaRPr lang="en-US" dirty="0" smtClean="0"/>
+          </a:p>
+          <a:p>
+            <a:pPr>
+              <a:buNone/>
+            </a:pPr>
+            <a:r>
+              <a:rPr lang="en-US" dirty="0" smtClean="0"/>
+              <a:t>Go to  “advanced” </a:t>
+            </a:r>
+            <a:r>
+              <a:rPr lang="en-US" dirty="0" smtClean="0"/>
+              <a:t>select "</a:t>
+            </a:r>
+            <a:r>
+              <a:rPr lang="en-US" dirty="0" smtClean="0"/>
+              <a:t>Command“.</a:t>
+            </a:r>
+          </a:p>
+          <a:p>
+            <a:pPr>
+              <a:buNone/>
+            </a:pPr>
+            <a:endParaRPr lang="en-US" dirty="0" smtClean="0"/>
+          </a:p>
+          <a:p>
+            <a:pPr>
+              <a:buNone/>
+            </a:pPr>
+            <a:r>
+              <a:rPr lang="en-US" dirty="0" smtClean="0"/>
+              <a:t>Finally save </a:t>
+            </a:r>
+            <a:r>
+              <a:rPr lang="en-US" dirty="0" smtClean="0"/>
+              <a:t>as load choice  "Joe1"</a:t>
             </a:r>
           </a:p>
           <a:p>
@@ -3660,6 +3891,33 @@
           <a:bodyPr/>
           <a:lstStyle/>
           <a:p>
+            <a:pPr algn="ctr">
+              <a:buNone/>
+            </a:pPr>
+            <a:r>
+              <a:rPr lang="en-US" sz="2000" b="1" dirty="0" smtClean="0">
+                <a:solidFill>
+                  <a:srgbClr val="FF0000"/>
+                </a:solidFill>
+              </a:rPr>
+              <a:t>(Slide 13 and 14)</a:t>
+            </a:r>
+            <a:endParaRPr lang="en-US" sz="2000" b="1" dirty="0" smtClean="0">
+              <a:solidFill>
+                <a:srgbClr val="FF0000"/>
+              </a:solidFill>
+            </a:endParaRPr>
+          </a:p>
+          <a:p>
+            <a:pPr>
+              <a:buNone/>
+            </a:pPr>
+            <a:r>
+              <a:rPr lang="en-US" dirty="0" smtClean="0"/>
+              <a:t>Press Load, Click on Send</a:t>
+            </a:r>
+          </a:p>
+          <a:p>
             <a:pPr>
               <a:buNone/>
             </a:pPr>
@@ -3669,7 +3927,14 @@
             <a:pPr>
               <a:buNone/>
             </a:pPr>
-            <a:endParaRPr lang="en-US" dirty="0"/>
+            <a:r>
+              <a:rPr lang="en-US" dirty="0" smtClean="0"/>
+              <a:t>So </a:t>
+            </a:r>
+            <a:r>
+              <a:rPr lang="en-US" dirty="0" smtClean="0"/>
+              <a:t>what happens ?</a:t>
+            </a:r>
           </a:p>
           <a:p>
             <a:pPr>
@@ -3681,17 +3946,43 @@
             <a:pPr>
               <a:buNone/>
             </a:pPr>
+            <a:r>
+              <a:rPr lang="en-US" dirty="0" smtClean="0"/>
+              <a:t>On your cell phone the WRITE Characteristic</a:t>
+            </a:r>
+          </a:p>
+          <a:p>
+            <a:pPr>
+              <a:buNone/>
+            </a:pPr>
+            <a:r>
+              <a:rPr lang="en-US" dirty="0" smtClean="0"/>
+              <a:t>Indicates "Joe" was written to the </a:t>
+            </a:r>
+            <a:r>
+              <a:rPr lang="en-US" dirty="0" err="1" smtClean="0"/>
+              <a:t>Nano</a:t>
+            </a:r>
+            <a:r>
+              <a:rPr lang="en-US" dirty="0" smtClean="0"/>
+              <a:t>.</a:t>
+            </a:r>
+          </a:p>
+          <a:p>
+            <a:pPr>
+              <a:buNone/>
+            </a:pPr>
             <a:endParaRPr lang="en-US" dirty="0" smtClean="0"/>
           </a:p>
           <a:p>
-            <a:pPr>
-              <a:buNone/>
-            </a:pPr>
-            <a:r>
-              <a:rPr lang="en-US" dirty="0" smtClean="0"/>
-              <a:t>Press Load, Click on Send</a:t>
-            </a:r>
-            <a:endParaRPr lang="en-US" dirty="0"/>
+            <a:pPr algn="ctr">
+              <a:buNone/>
+            </a:pPr>
+            <a:r>
+              <a:rPr lang="en-US" sz="2400" i="1" dirty="0" smtClean="0"/>
+              <a:t>(But this does not prove it was really received.)</a:t>
+            </a:r>
+            <a:endParaRPr lang="en-US" sz="2400" i="1" dirty="0"/>
           </a:p>
         </p:txBody>
       </p:sp>
@@ -3744,7 +4035,9 @@
           </a:xfrm>
         </p:spPr>
         <p:txBody>
-          <a:bodyPr/>
+          <a:bodyPr>
+            <a:normAutofit/>
+          </a:bodyPr>
           <a:lstStyle/>
           <a:p>
             <a:pPr>
@@ -3756,48 +4049,121 @@
             <a:pPr>
               <a:buNone/>
             </a:pPr>
-            <a:endParaRPr lang="en-US" dirty="0"/>
-          </a:p>
-          <a:p>
-            <a:pPr>
-              <a:buNone/>
-            </a:pPr>
-            <a:r>
-              <a:rPr lang="en-US" dirty="0" smtClean="0"/>
-              <a:t>So what happens ?</a:t>
-            </a:r>
-          </a:p>
-          <a:p>
-            <a:pPr>
-              <a:buNone/>
-            </a:pPr>
-            <a:endParaRPr lang="en-US" dirty="0" smtClean="0"/>
-          </a:p>
-          <a:p>
-            <a:pPr>
-              <a:buNone/>
-            </a:pPr>
-            <a:r>
-              <a:rPr lang="en-US" dirty="0" smtClean="0"/>
-              <a:t>On your cell phone the WRITE Characteristic</a:t>
-            </a:r>
-          </a:p>
-          <a:p>
-            <a:pPr>
-              <a:buNone/>
-            </a:pPr>
-            <a:r>
-              <a:rPr lang="en-US" dirty="0" smtClean="0"/>
-              <a:t>Indicates "Joe" was written to the </a:t>
-            </a:r>
-            <a:r>
-              <a:rPr lang="en-US" dirty="0" err="1" smtClean="0"/>
+            <a:r>
+              <a:rPr lang="en-US" sz="2800" dirty="0" smtClean="0"/>
+              <a:t>We </a:t>
+            </a:r>
+            <a:r>
+              <a:rPr lang="en-US" sz="2800" dirty="0" smtClean="0"/>
+              <a:t>can </a:t>
+            </a:r>
+            <a:r>
+              <a:rPr lang="en-US" sz="2800" dirty="0" smtClean="0"/>
+              <a:t>verify </a:t>
+            </a:r>
+            <a:r>
+              <a:rPr lang="en-US" sz="2800" dirty="0" smtClean="0"/>
+              <a:t> </a:t>
+            </a:r>
+            <a:r>
+              <a:rPr lang="en-US" sz="2800" dirty="0" smtClean="0"/>
+              <a:t>by reading </a:t>
+            </a:r>
+            <a:r>
+              <a:rPr lang="en-US" sz="2800" dirty="0" smtClean="0"/>
+              <a:t>back </a:t>
+            </a:r>
+            <a:r>
+              <a:rPr lang="en-US" sz="2800" dirty="0" smtClean="0"/>
+              <a:t>the READ</a:t>
+            </a:r>
+          </a:p>
+          <a:p>
+            <a:pPr>
+              <a:buNone/>
+            </a:pPr>
+            <a:r>
+              <a:rPr lang="en-US" sz="2800" dirty="0" smtClean="0"/>
+              <a:t>Characteristic from the </a:t>
+            </a:r>
+            <a:r>
+              <a:rPr lang="en-US" sz="2800" dirty="0" err="1" smtClean="0"/>
               <a:t>Nano</a:t>
             </a:r>
             <a:r>
-              <a:rPr lang="en-US" dirty="0" smtClean="0"/>
-              <a:t>.</a:t>
-            </a:r>
+              <a:rPr lang="en-US" sz="2800" dirty="0" smtClean="0"/>
+              <a:t> by clicking on the </a:t>
+            </a:r>
+          </a:p>
+          <a:p>
+            <a:pPr>
+              <a:buNone/>
+            </a:pPr>
+            <a:r>
+              <a:rPr lang="en-US" sz="2800" dirty="0" smtClean="0"/>
+              <a:t>down arrow as shown.</a:t>
+            </a:r>
+          </a:p>
+          <a:p>
+            <a:pPr>
+              <a:buNone/>
+            </a:pPr>
+            <a:endParaRPr lang="en-US" sz="2800" dirty="0" smtClean="0"/>
+          </a:p>
+          <a:p>
+            <a:pPr>
+              <a:buNone/>
+            </a:pPr>
+            <a:r>
+              <a:rPr lang="en-US" sz="2800" dirty="0" smtClean="0"/>
+              <a:t>Once this is done the value "Joe" sent earlier now</a:t>
+            </a:r>
+          </a:p>
+          <a:p>
+            <a:pPr>
+              <a:buNone/>
+            </a:pPr>
+            <a:r>
+              <a:rPr lang="en-US" sz="2800" dirty="0" smtClean="0"/>
+              <a:t>appears as the value of the READ characteristic</a:t>
+            </a:r>
+          </a:p>
+          <a:p>
+            <a:pPr>
+              <a:buNone/>
+            </a:pPr>
+            <a:endParaRPr lang="en-US" sz="2800" dirty="0" smtClean="0"/>
+          </a:p>
+          <a:p>
+            <a:pPr>
+              <a:buNone/>
+            </a:pPr>
+            <a:r>
+              <a:rPr lang="en-US" sz="2800" dirty="0" smtClean="0"/>
+              <a:t>This</a:t>
+            </a:r>
+            <a:r>
+              <a:rPr lang="en-US" sz="2800" dirty="0" smtClean="0"/>
+              <a:t> </a:t>
+            </a:r>
+            <a:r>
+              <a:rPr lang="en-US" sz="2800" dirty="0" smtClean="0"/>
+              <a:t>works for "Mike" as well</a:t>
+            </a:r>
+            <a:r>
+              <a:rPr lang="en-US" sz="2800" dirty="0" smtClean="0"/>
+              <a:t>. </a:t>
+            </a:r>
+            <a:r>
+              <a:rPr lang="en-US" sz="2800" i="1" dirty="0" smtClean="0"/>
+              <a:t>(Try it if you like.)</a:t>
+            </a:r>
+            <a:endParaRPr lang="en-US" i="1" dirty="0" smtClean="0"/>
+          </a:p>
+          <a:p>
+            <a:pPr>
+              <a:buNone/>
+            </a:pPr>
             <a:endParaRPr lang="en-US" dirty="0"/>
           </a:p>
         </p:txBody>
@@ -3851,175 +4217,6 @@
           </a:xfrm>
         </p:spPr>
         <p:txBody>
-          <a:bodyPr>
-            <a:normAutofit fontScale="92500" lnSpcReduction="20000"/>
-          </a:bodyPr>
-          <a:lstStyle/>
-          <a:p>
-            <a:pPr>
-              <a:buNone/>
-            </a:pPr>
-            <a:endParaRPr lang="en-US" dirty="0" smtClean="0"/>
-          </a:p>
-          <a:p>
-            <a:pPr>
-              <a:buNone/>
-            </a:pPr>
-            <a:r>
-              <a:rPr lang="en-US" dirty="0" smtClean="0"/>
-              <a:t>But how does the Cell phone user know that the</a:t>
-            </a:r>
-          </a:p>
-          <a:p>
-            <a:pPr>
-              <a:buNone/>
-            </a:pPr>
-            <a:r>
-              <a:rPr lang="en-US" dirty="0" err="1" smtClean="0"/>
-              <a:t>Nano</a:t>
-            </a:r>
-            <a:r>
-              <a:rPr lang="en-US" dirty="0" smtClean="0"/>
-              <a:t> got the data ?</a:t>
-            </a:r>
-          </a:p>
-          <a:p>
-            <a:pPr>
-              <a:buNone/>
-            </a:pPr>
-            <a:endParaRPr lang="en-US" dirty="0" smtClean="0"/>
-          </a:p>
-          <a:p>
-            <a:pPr>
-              <a:buNone/>
-            </a:pPr>
-            <a:r>
-              <a:rPr lang="en-US" dirty="0" smtClean="0"/>
-              <a:t>We can find out by reading it back the READ</a:t>
-            </a:r>
-          </a:p>
-          <a:p>
-            <a:pPr>
-              <a:buNone/>
-            </a:pPr>
-            <a:r>
-              <a:rPr lang="en-US" dirty="0" smtClean="0"/>
-              <a:t>Characteristic from the </a:t>
-            </a:r>
-            <a:r>
-              <a:rPr lang="en-US" dirty="0" err="1" smtClean="0"/>
-              <a:t>Nano</a:t>
-            </a:r>
-            <a:r>
-              <a:rPr lang="en-US" dirty="0" smtClean="0"/>
-              <a:t> by clicking on the </a:t>
-            </a:r>
-          </a:p>
-          <a:p>
-            <a:pPr>
-              <a:buNone/>
-            </a:pPr>
-            <a:r>
-              <a:rPr lang="en-US" dirty="0" smtClean="0"/>
-              <a:t>down arrow as shown.</a:t>
-            </a:r>
-          </a:p>
-          <a:p>
-            <a:pPr>
-              <a:buNone/>
-            </a:pPr>
-            <a:endParaRPr lang="en-US" dirty="0" smtClean="0"/>
-          </a:p>
-          <a:p>
-            <a:pPr>
-              <a:buNone/>
-            </a:pPr>
-            <a:r>
-              <a:rPr lang="en-US" dirty="0" smtClean="0"/>
-              <a:t>Once this is done the value "Joe" sent earlier now</a:t>
-            </a:r>
-          </a:p>
-          <a:p>
-            <a:pPr>
-              <a:buNone/>
-            </a:pPr>
-            <a:r>
-              <a:rPr lang="en-US" dirty="0" smtClean="0"/>
-              <a:t>appears as the value of the READ characteristic</a:t>
-            </a:r>
-          </a:p>
-          <a:p>
-            <a:pPr>
-              <a:buNone/>
-            </a:pPr>
-            <a:endParaRPr lang="en-US" dirty="0" smtClean="0"/>
-          </a:p>
-          <a:p>
-            <a:pPr>
-              <a:buNone/>
-            </a:pPr>
-            <a:r>
-              <a:rPr lang="en-US" dirty="0" smtClean="0"/>
-              <a:t>Believe me this works for "Mike" as well.</a:t>
-            </a:r>
-          </a:p>
-          <a:p>
-            <a:pPr>
-              <a:buNone/>
-            </a:pPr>
-            <a:endParaRPr lang="en-US" dirty="0"/>
-          </a:p>
-        </p:txBody>
-      </p:sp>
-    </p:spTree>
-  </p:cSld>
-  <p:clrMapOvr>
-    <a:masterClrMapping/>
-  </p:clrMapOvr>
-  <p:timing>
-    <p:tnLst>
-      <p:par>
-        <p:cTn id="1" dur="indefinite" restart="never" nodeType="tmRoot"/>
-      </p:par>
-    </p:tnLst>
-  </p:timing>
-</p:sld>
-</file>
-
-<file path=ppt/slides/slide16.xml><?xml version="1.0" encoding="utf-8"?>
-<p:sld xmlns:a="http://schemas.openxmlformats.org/drawingml/2006/main" xmlns:r="http://schemas.openxmlformats.org/officeDocument/2006/relationships" xmlns:p="http://schemas.openxmlformats.org/presentationml/2006/main">
-  <p:cSld>
-    <p:spTree>
-      <p:nvGrpSpPr>
-        <p:cNvPr id="1" name=""/>
-        <p:cNvGrpSpPr/>
-        <p:nvPr/>
-      </p:nvGrpSpPr>
-      <p:grpSpPr>
-        <a:xfrm>
-          <a:off x="0" y="0"/>
-          <a:ext cx="0" cy="0"/>
-          <a:chOff x="0" y="0"/>
-          <a:chExt cx="0" cy="0"/>
-        </a:xfrm>
-      </p:grpSpPr>
-      <p:sp>
-        <p:nvSpPr>
-          <p:cNvPr id="3" name="Content Placeholder 2"/>
-          <p:cNvSpPr>
-            <a:spLocks noGrp="1"/>
-          </p:cNvSpPr>
-          <p:nvPr>
-            <p:ph idx="1"/>
-          </p:nvPr>
-        </p:nvSpPr>
-        <p:spPr>
-          <a:xfrm>
-            <a:off x="457200" y="381000"/>
-            <a:ext cx="8229600" cy="5745163"/>
-          </a:xfrm>
-        </p:spPr>
-        <p:txBody>
           <a:bodyPr/>
           <a:lstStyle/>
           <a:p>
@@ -4080,13 +4277,41 @@
               <a:buNone/>
             </a:pPr>
             <a:r>
-              <a:rPr lang="en-US" b="1" i="1" dirty="0" smtClean="0">
+              <a:rPr lang="en-US" sz="2800" b="1" i="1" dirty="0" smtClean="0">
                 <a:solidFill>
                   <a:srgbClr val="00B0F0"/>
                 </a:solidFill>
               </a:rPr>
-              <a:t>This breaks the ice for future BLE  Adventures !</a:t>
-            </a:r>
+              <a:t>This breaks the ice for future </a:t>
+            </a:r>
+            <a:r>
+              <a:rPr lang="en-US" sz="2800" b="1" i="1" dirty="0" smtClean="0">
+                <a:solidFill>
+                  <a:srgbClr val="00B0F0"/>
+                </a:solidFill>
+              </a:rPr>
+              <a:t>IOT / BLE  </a:t>
+            </a:r>
+            <a:r>
+              <a:rPr lang="en-US" sz="2800" b="1" i="1" dirty="0" smtClean="0">
+                <a:solidFill>
+                  <a:srgbClr val="00B0F0"/>
+                </a:solidFill>
+              </a:rPr>
+              <a:t>Adventures !</a:t>
+            </a:r>
+          </a:p>
+          <a:p>
+            <a:pPr>
+              <a:buNone/>
+            </a:pPr>
+            <a:endParaRPr lang="en-US" dirty="0" smtClean="0"/>
+          </a:p>
+          <a:p>
+            <a:pPr>
+              <a:buNone/>
+            </a:pPr>
+            <a:endParaRPr lang="en-US" dirty="0" smtClean="0"/>
           </a:p>
           <a:p>
             <a:pPr>
@@ -4146,16 +4371,26 @@
         </p:spPr>
         <p:txBody>
           <a:bodyPr>
-            <a:normAutofit fontScale="92500"/>
+            <a:normAutofit/>
           </a:bodyPr>
           <a:lstStyle/>
           <a:p>
             <a:pPr>
               <a:buNone/>
             </a:pPr>
+            <a:endParaRPr lang="en-US" sz="3000" dirty="0" smtClean="0"/>
+          </a:p>
+          <a:p>
+            <a:pPr>
+              <a:buNone/>
+            </a:pPr>
             <a:r>
               <a:rPr lang="en-US" sz="3000" dirty="0" smtClean="0"/>
-              <a:t>First you must setup the </a:t>
+              <a:t>First setup </a:t>
+            </a:r>
+            <a:r>
+              <a:rPr lang="en-US" sz="3000" dirty="0" smtClean="0"/>
+              <a:t>the </a:t>
             </a:r>
             <a:r>
               <a:rPr lang="en-US" sz="3000" dirty="0" err="1" smtClean="0"/>
@@ -4163,20 +4398,36 @@
             </a:r>
             <a:r>
               <a:rPr lang="en-US" sz="3000" dirty="0" smtClean="0"/>
-              <a:t> environment for the </a:t>
-            </a:r>
-          </a:p>
-          <a:p>
-            <a:pPr>
-              <a:buNone/>
-            </a:pPr>
+              <a:t> </a:t>
+            </a:r>
+            <a:r>
+              <a:rPr lang="en-US" sz="3000" dirty="0" smtClean="0"/>
+              <a:t>plug in </a:t>
+            </a:r>
+            <a:r>
+              <a:rPr lang="en-US" sz="3000" dirty="0" smtClean="0"/>
+              <a:t>for </a:t>
+            </a:r>
             <a:r>
               <a:rPr lang="en-US" sz="3000" dirty="0" err="1" smtClean="0"/>
               <a:t>RedBear</a:t>
             </a:r>
             <a:r>
               <a:rPr lang="en-US" sz="3000" dirty="0" smtClean="0"/>
-              <a:t> BLE Nano-2 hardware. </a:t>
+              <a:t>  </a:t>
+            </a:r>
+          </a:p>
+          <a:p>
+            <a:pPr>
+              <a:buNone/>
+            </a:pPr>
+            <a:r>
+              <a:rPr lang="en-US" sz="3000" dirty="0" smtClean="0"/>
+              <a:t>Nano-2 </a:t>
+            </a:r>
+            <a:r>
+              <a:rPr lang="en-US" sz="3000" dirty="0" smtClean="0"/>
+              <a:t>hardware. </a:t>
             </a:r>
           </a:p>
           <a:p>
@@ -4191,54 +4442,35 @@
             </a:pPr>
             <a:r>
               <a:rPr lang="en-US" sz="3000" dirty="0" smtClean="0"/>
-              <a:t>You need to install the board support package for the </a:t>
-            </a:r>
-          </a:p>
-          <a:p>
-            <a:pPr>
-              <a:buNone/>
-            </a:pPr>
+              <a:t>With </a:t>
+            </a:r>
             <a:r>
               <a:rPr lang="en-US" sz="3000" dirty="0" smtClean="0"/>
-              <a:t>Red Bear BLE </a:t>
-            </a:r>
+              <a:t>some helpful instructions from Red Bear's </a:t>
+            </a:r>
+            <a:endParaRPr lang="en-US" sz="3000" dirty="0" smtClean="0"/>
+          </a:p>
+          <a:p>
+            <a:pPr>
+              <a:buNone/>
+            </a:pPr>
             <a:r>
               <a:rPr lang="en-US" sz="3000" dirty="0" err="1" smtClean="0"/>
-              <a:t>Nano</a:t>
+              <a:t>Github</a:t>
             </a:r>
             <a:r>
               <a:rPr lang="en-US" sz="3000" dirty="0" smtClean="0"/>
-              <a:t> - 2.</a:t>
-            </a:r>
-          </a:p>
-          <a:p>
-            <a:pPr>
-              <a:buNone/>
-            </a:pPr>
+              <a:t>  site </a:t>
+            </a:r>
+            <a:r>
+              <a:rPr lang="en-US" sz="3000" dirty="0" smtClean="0"/>
+              <a:t>you can get this to </a:t>
+            </a:r>
+            <a:r>
+              <a:rPr lang="en-US" sz="3000" dirty="0" smtClean="0"/>
+              <a:t>install. </a:t>
+            </a:r>
             <a:endParaRPr lang="en-US" sz="3000" dirty="0" smtClean="0"/>
-          </a:p>
-          <a:p>
-            <a:pPr>
-              <a:buNone/>
-            </a:pPr>
-            <a:r>
-              <a:rPr lang="en-US" sz="3000" dirty="0" smtClean="0"/>
-              <a:t>With some helpful instructions from Red Bear's </a:t>
-            </a:r>
-            <a:r>
-              <a:rPr lang="en-US" sz="3000" dirty="0" err="1" smtClean="0"/>
-              <a:t>github</a:t>
-            </a:r>
-            <a:endParaRPr lang="en-US" sz="3000" dirty="0" smtClean="0"/>
-          </a:p>
-          <a:p>
-            <a:pPr>
-              <a:buNone/>
-            </a:pPr>
-            <a:r>
-              <a:rPr lang="en-US" sz="3000" dirty="0" smtClean="0"/>
-              <a:t>site you can get this to work. </a:t>
-            </a:r>
           </a:p>
           <a:p>
             <a:pPr>
@@ -4326,25 +4558,50 @@
             </a:pPr>
             <a:r>
               <a:rPr lang="en-US" sz="2800" dirty="0" smtClean="0"/>
-              <a:t>Once you get it installed, it becomes one of the </a:t>
-            </a:r>
-          </a:p>
-          <a:p>
-            <a:pPr>
-              <a:buNone/>
-            </a:pPr>
-            <a:r>
-              <a:rPr lang="en-US" sz="2800" dirty="0" smtClean="0"/>
-              <a:t>hardware platform choices you can select when you</a:t>
-            </a:r>
-          </a:p>
-          <a:p>
-            <a:pPr>
-              <a:buNone/>
-            </a:pPr>
-            <a:r>
-              <a:rPr lang="en-US" sz="2800" dirty="0" smtClean="0"/>
-              <a:t>want to code a project  “</a:t>
+              <a:t>Once </a:t>
+            </a:r>
+            <a:r>
+              <a:rPr lang="en-US" sz="2800" dirty="0" smtClean="0"/>
+              <a:t>the support package is </a:t>
+            </a:r>
+            <a:r>
+              <a:rPr lang="en-US" sz="2800" dirty="0" smtClean="0"/>
+              <a:t>installed, it becomes one </a:t>
+            </a:r>
+            <a:endParaRPr lang="en-US" sz="2800" dirty="0" smtClean="0"/>
+          </a:p>
+          <a:p>
+            <a:pPr>
+              <a:buNone/>
+            </a:pPr>
+            <a:r>
+              <a:rPr lang="en-US" sz="2800" dirty="0" smtClean="0"/>
+              <a:t>of </a:t>
+            </a:r>
+            <a:r>
+              <a:rPr lang="en-US" sz="2800" dirty="0" smtClean="0"/>
+              <a:t>the </a:t>
+            </a:r>
+            <a:r>
+              <a:rPr lang="en-US" sz="2800" dirty="0" smtClean="0"/>
+              <a:t> choices </a:t>
+            </a:r>
+            <a:r>
+              <a:rPr lang="en-US" sz="2800" dirty="0" smtClean="0"/>
+              <a:t>you can select when you</a:t>
+            </a:r>
+          </a:p>
+          <a:p>
+            <a:pPr>
+              <a:buNone/>
+            </a:pPr>
+            <a:r>
+              <a:rPr lang="en-US" sz="2800" dirty="0" smtClean="0"/>
+              <a:t>code </a:t>
+            </a:r>
+            <a:r>
+              <a:rPr lang="en-US" sz="2800" dirty="0" smtClean="0"/>
+              <a:t>a project  “</a:t>
             </a:r>
             <a:r>
               <a:rPr lang="en-US" sz="2800" dirty="0" err="1" smtClean="0"/>
@@ -4367,16 +4624,15 @@
             </a:pPr>
             <a:r>
               <a:rPr lang="en-US" sz="2800" dirty="0" smtClean="0"/>
-              <a:t>I selected "Examples for BLE_Nano2", sketch file:</a:t>
-            </a:r>
-          </a:p>
-          <a:p>
-            <a:pPr>
-              <a:buNone/>
-            </a:pPr>
-            <a:r>
-              <a:rPr lang="en-US" sz="2800" dirty="0" smtClean="0"/>
-              <a:t>"</a:t>
+              <a:t>I </a:t>
+            </a:r>
+            <a:r>
+              <a:rPr lang="en-US" sz="2800" dirty="0" smtClean="0"/>
+              <a:t>selected </a:t>
+            </a:r>
+            <a:r>
+              <a:rPr lang="en-US" sz="2800" dirty="0" smtClean="0"/>
+              <a:t>the "</a:t>
             </a:r>
             <a:r>
               <a:rPr lang="en-US" sz="2800" dirty="0" err="1" smtClean="0"/>
@@ -4384,7 +4640,49 @@
             </a:r>
             <a:r>
               <a:rPr lang="en-US" sz="2800" dirty="0" smtClean="0"/>
-              <a:t>" as my example starting point.</a:t>
+              <a:t>“ sketch </a:t>
+            </a:r>
+          </a:p>
+          <a:p>
+            <a:pPr>
+              <a:buNone/>
+            </a:pPr>
+            <a:r>
+              <a:rPr lang="en-US" sz="2800" dirty="0" smtClean="0"/>
+              <a:t>in </a:t>
+            </a:r>
+            <a:r>
+              <a:rPr lang="en-US" sz="2800" dirty="0" smtClean="0"/>
+              <a:t>"</a:t>
+            </a:r>
+            <a:r>
+              <a:rPr lang="en-US" sz="2800" dirty="0" smtClean="0"/>
+              <a:t>Examples for </a:t>
+            </a:r>
+            <a:r>
+              <a:rPr lang="en-US" sz="2800" dirty="0" smtClean="0"/>
+              <a:t>BLE_Nano2” hardware as </a:t>
+            </a:r>
+            <a:r>
+              <a:rPr lang="en-US" sz="2800" dirty="0" smtClean="0"/>
+              <a:t>my </a:t>
+            </a:r>
+            <a:r>
+              <a:rPr lang="en-US" sz="2800" dirty="0" smtClean="0"/>
+              <a:t>starting </a:t>
+            </a:r>
+          </a:p>
+          <a:p>
+            <a:pPr>
+              <a:buNone/>
+            </a:pPr>
+            <a:r>
+              <a:rPr lang="en-US" sz="2800" dirty="0" smtClean="0"/>
+              <a:t>point</a:t>
+            </a:r>
+            <a:r>
+              <a:rPr lang="en-US" sz="2800" dirty="0" smtClean="0"/>
+              <a:t>.</a:t>
             </a:r>
           </a:p>
           <a:p>
@@ -4466,16 +4764,44 @@
             </a:pPr>
             <a:r>
               <a:rPr lang="en-US" sz="2400" dirty="0" smtClean="0"/>
-              <a:t>The goal for this project is to send date to </a:t>
-            </a:r>
-          </a:p>
-          <a:p>
-            <a:pPr>
-              <a:buNone/>
-            </a:pPr>
+              <a:t>My </a:t>
+            </a:r>
             <a:r>
               <a:rPr lang="en-US" sz="2400" dirty="0" smtClean="0"/>
-              <a:t>and receive data from my Android Lenovo / Moto G phone.</a:t>
+              <a:t>goal </a:t>
+            </a:r>
+            <a:r>
+              <a:rPr lang="en-US" sz="2400" dirty="0" smtClean="0"/>
+              <a:t>to show you code that can send/receive data</a:t>
+            </a:r>
+          </a:p>
+          <a:p>
+            <a:pPr>
+              <a:buNone/>
+            </a:pPr>
+            <a:r>
+              <a:rPr lang="en-US" sz="2400" dirty="0" smtClean="0"/>
+              <a:t>between  the NANO-2 and an </a:t>
+            </a:r>
+            <a:r>
+              <a:rPr lang="en-US" sz="2400" dirty="0" smtClean="0"/>
+              <a:t>Android </a:t>
+            </a:r>
+            <a:r>
+              <a:rPr lang="en-US" sz="2400" dirty="0" smtClean="0"/>
+              <a:t> </a:t>
+            </a:r>
+            <a:r>
+              <a:rPr lang="en-US" sz="2400" dirty="0" smtClean="0"/>
+              <a:t>/ </a:t>
+            </a:r>
+            <a:r>
+              <a:rPr lang="en-US" sz="2400" dirty="0" smtClean="0"/>
+              <a:t>Moto G </a:t>
+            </a:r>
+            <a:r>
+              <a:rPr lang="en-US" sz="2400" dirty="0" smtClean="0"/>
+              <a:t>phone.</a:t>
             </a:r>
           </a:p>
           <a:p>
@@ -4490,31 +4816,53 @@
             </a:pPr>
             <a:r>
               <a:rPr lang="en-US" sz="2400" dirty="0" smtClean="0"/>
-              <a:t>My modified Android sketch file 320 lines (with a lots of </a:t>
-            </a:r>
-          </a:p>
-          <a:p>
-            <a:pPr>
-              <a:buNone/>
-            </a:pPr>
+              <a:t>A  </a:t>
+            </a:r>
             <a:r>
               <a:rPr lang="en-US" sz="2400" dirty="0" smtClean="0"/>
-              <a:t>pre-written system code backing it up) does  everything</a:t>
-            </a:r>
-          </a:p>
-          <a:p>
-            <a:pPr>
-              <a:buNone/>
-            </a:pPr>
+              <a:t>modified </a:t>
+            </a:r>
             <a:r>
               <a:rPr lang="en-US" sz="2400" dirty="0" smtClean="0"/>
-              <a:t>needed</a:t>
-            </a:r>
-          </a:p>
-          <a:p>
-            <a:pPr>
-              <a:buNone/>
-            </a:pPr>
+              <a:t>“</a:t>
+            </a:r>
+            <a:r>
+              <a:rPr lang="en-US" sz="2400" dirty="0" err="1" smtClean="0"/>
+              <a:t>BLE_SimplePeripheral</a:t>
+            </a:r>
+            <a:r>
+              <a:rPr lang="en-US" sz="2400" dirty="0" smtClean="0"/>
+              <a:t> </a:t>
+            </a:r>
+            <a:r>
+              <a:rPr lang="en-US" sz="2400" dirty="0" smtClean="0"/>
+              <a:t>“ </a:t>
+            </a:r>
+            <a:r>
+              <a:rPr lang="en-US" sz="2400" dirty="0" smtClean="0"/>
+              <a:t>sketch </a:t>
+            </a:r>
+            <a:r>
+              <a:rPr lang="en-US" sz="2400" dirty="0" smtClean="0"/>
+              <a:t>file </a:t>
+            </a:r>
+            <a:r>
+              <a:rPr lang="en-US" sz="2400" dirty="0" smtClean="0"/>
+              <a:t>320</a:t>
+            </a:r>
+          </a:p>
+          <a:p>
+            <a:pPr>
+              <a:buNone/>
+            </a:pPr>
+            <a:r>
+              <a:rPr lang="en-US" sz="2400" dirty="0" smtClean="0"/>
+              <a:t>lines does  </a:t>
+            </a:r>
+            <a:r>
+              <a:rPr lang="en-US" sz="2400" dirty="0" smtClean="0"/>
+              <a:t>the job.</a:t>
+            </a:r>
             <a:endParaRPr lang="en-US" sz="2400" dirty="0" smtClean="0"/>
           </a:p>
           <a:p>
@@ -4522,27 +4870,42 @@
               <a:buNone/>
             </a:pPr>
             <a:r>
+              <a:rPr lang="en-US" sz="1800" i="1" dirty="0" smtClean="0"/>
+              <a:t>(There is pre-written  library </a:t>
+            </a:r>
+            <a:r>
+              <a:rPr lang="en-US" sz="1800" i="1" dirty="0" smtClean="0"/>
+              <a:t>code backing </a:t>
+            </a:r>
+            <a:r>
+              <a:rPr lang="en-US" sz="1800" i="1" dirty="0" smtClean="0"/>
+              <a:t> this up.)</a:t>
+            </a:r>
+          </a:p>
+          <a:p>
+            <a:pPr>
+              <a:buNone/>
+            </a:pPr>
+            <a:endParaRPr lang="en-US" sz="1800" i="1" dirty="0" smtClean="0"/>
+          </a:p>
+          <a:p>
+            <a:pPr>
+              <a:buNone/>
+            </a:pPr>
+            <a:r>
               <a:rPr lang="en-US" sz="2400" dirty="0" smtClean="0"/>
-              <a:t>I added a Write/Read back functionality sometimes called </a:t>
-            </a:r>
-          </a:p>
-          <a:p>
-            <a:pPr>
-              <a:buNone/>
-            </a:pPr>
+              <a:t>Next </a:t>
+            </a:r>
             <a:r>
               <a:rPr lang="en-US" sz="2400" dirty="0" smtClean="0"/>
-              <a:t>"Loop Back" testing. This provides  the demo I will</a:t>
-            </a:r>
-          </a:p>
-          <a:p>
-            <a:pPr>
-              <a:buNone/>
-            </a:pPr>
-            <a:r>
-              <a:rPr lang="en-US" sz="2400" dirty="0" smtClean="0"/>
-              <a:t>share with you on my cell phone.</a:t>
-            </a:r>
+              <a:t>are slides discussing the code:</a:t>
+            </a:r>
+          </a:p>
+          <a:p>
+            <a:pPr>
+              <a:buNone/>
+            </a:pPr>
+            <a:endParaRPr lang="en-US" sz="2400" dirty="0" smtClean="0"/>
           </a:p>
           <a:p>
             <a:pPr>
@@ -4602,46 +4965,31 @@
         </p:spPr>
         <p:txBody>
           <a:bodyPr>
-            <a:normAutofit fontScale="55000" lnSpcReduction="20000"/>
+            <a:normAutofit fontScale="62500" lnSpcReduction="20000"/>
           </a:bodyPr>
           <a:lstStyle/>
           <a:p>
-            <a:pPr>
-              <a:buNone/>
-            </a:pPr>
+            <a:pPr algn="ctr">
+              <a:buNone/>
+            </a:pPr>
+            <a:r>
+              <a:rPr lang="en-US" dirty="0" smtClean="0"/>
+              <a:t>(</a:t>
+            </a:r>
+            <a:r>
+              <a:rPr lang="en-US" dirty="0" smtClean="0"/>
+              <a:t>Code slide </a:t>
+            </a:r>
+            <a:r>
+              <a:rPr lang="en-US" dirty="0" smtClean="0"/>
+              <a:t>1)</a:t>
+            </a:r>
             <a:endParaRPr lang="en-US" dirty="0" smtClean="0"/>
           </a:p>
           <a:p>
             <a:pPr>
               <a:buNone/>
             </a:pPr>
-            <a:r>
-              <a:rPr lang="en-US" dirty="0" smtClean="0"/>
-              <a:t>Now lets talk about the code. </a:t>
-            </a:r>
-          </a:p>
-          <a:p>
-            <a:pPr>
-              <a:buNone/>
-            </a:pPr>
-            <a:r>
-              <a:rPr lang="en-US" dirty="0" smtClean="0"/>
-              <a:t>The code sketch file is actually rather short </a:t>
-            </a:r>
-          </a:p>
-          <a:p>
-            <a:pPr>
-              <a:buNone/>
-            </a:pPr>
-            <a:r>
-              <a:rPr lang="en-US" dirty="0" smtClean="0"/>
-              <a:t>(But, let's not think about pre-written support code behind this !)</a:t>
-            </a:r>
-          </a:p>
-          <a:p>
-            <a:pPr>
-              <a:buNone/>
-            </a:pPr>
             <a:endParaRPr lang="en-US" dirty="0" smtClean="0"/>
           </a:p>
           <a:p>
@@ -4650,40 +4998,20 @@
             </a:pPr>
             <a:r>
               <a:rPr lang="en-US" dirty="0" smtClean="0"/>
-              <a:t>I really only had to modify or add about </a:t>
-            </a:r>
-          </a:p>
-          <a:p>
-            <a:pPr>
-              <a:buNone/>
-            </a:pPr>
-            <a:r>
-              <a:rPr lang="en-US" dirty="0" smtClean="0"/>
-              <a:t>6 lines of code, but I  also added about </a:t>
-            </a:r>
-          </a:p>
-          <a:p>
-            <a:pPr>
-              <a:buNone/>
-            </a:pPr>
-            <a:r>
-              <a:rPr lang="en-US" dirty="0" smtClean="0"/>
-              <a:t>42 lines of comments to assist in my, and I hope,</a:t>
-            </a:r>
-          </a:p>
-          <a:p>
-            <a:pPr>
-              <a:buNone/>
-            </a:pPr>
-            <a:r>
-              <a:rPr lang="en-US" dirty="0" smtClean="0"/>
-              <a:t>your understanding.</a:t>
-            </a:r>
-          </a:p>
-          <a:p>
-            <a:pPr>
-              <a:buNone/>
-            </a:pPr>
+              <a:t>I only </a:t>
+            </a:r>
+            <a:r>
+              <a:rPr lang="en-US" dirty="0" smtClean="0"/>
+              <a:t>had to modify or </a:t>
+            </a:r>
+            <a:r>
+              <a:rPr lang="en-US" dirty="0" smtClean="0"/>
+              <a:t>add 6 </a:t>
+            </a:r>
+            <a:r>
+              <a:rPr lang="en-US" dirty="0" smtClean="0"/>
+              <a:t>lines of code, </a:t>
+            </a:r>
             <a:endParaRPr lang="en-US" dirty="0" smtClean="0"/>
           </a:p>
           <a:p>
@@ -4692,136 +5020,225 @@
             </a:pPr>
             <a:r>
               <a:rPr lang="en-US" dirty="0" smtClean="0"/>
-              <a:t>On Line 22, I changed the name of device as it will appear</a:t>
-            </a:r>
-          </a:p>
-          <a:p>
-            <a:pPr>
-              <a:buNone/>
-            </a:pPr>
-            <a:r>
-              <a:rPr lang="en-US" dirty="0" smtClean="0"/>
-              <a:t>on my cell phone to add JMK - "That's Me"</a:t>
-            </a:r>
-          </a:p>
-          <a:p>
-            <a:pPr>
-              <a:buNone/>
-            </a:pPr>
+              <a:t>But </a:t>
+            </a:r>
+            <a:r>
+              <a:rPr lang="en-US" dirty="0" smtClean="0"/>
+              <a:t>I  also added </a:t>
+            </a:r>
+            <a:r>
+              <a:rPr lang="en-US" dirty="0" smtClean="0"/>
+              <a:t>about 42 </a:t>
+            </a:r>
+            <a:r>
+              <a:rPr lang="en-US" dirty="0" smtClean="0"/>
+              <a:t>lines of comments to assist </a:t>
+            </a:r>
+            <a:r>
+              <a:rPr lang="en-US" dirty="0" smtClean="0"/>
+              <a:t>in our</a:t>
+            </a:r>
+          </a:p>
+          <a:p>
+            <a:pPr>
+              <a:buNone/>
+            </a:pPr>
+            <a:r>
+              <a:rPr lang="en-US" dirty="0" smtClean="0"/>
+              <a:t>understanding of how this sketch file works.</a:t>
+            </a:r>
             <a:endParaRPr lang="en-US" dirty="0" smtClean="0"/>
           </a:p>
           <a:p>
             <a:pPr>
               <a:buNone/>
             </a:pPr>
-            <a:r>
-              <a:rPr lang="en-US" dirty="0" smtClean="0"/>
-              <a:t>I added some comments on Line 43-46 to clarify  the jargon</a:t>
-            </a:r>
-          </a:p>
-          <a:p>
-            <a:pPr>
-              <a:buNone/>
-            </a:pPr>
-            <a:r>
-              <a:rPr lang="en-US" dirty="0" smtClean="0"/>
-              <a:t>A characteristic is some data that is sent over the wireless channel.</a:t>
-            </a:r>
-          </a:p>
-          <a:p>
-            <a:pPr>
-              <a:buNone/>
-            </a:pPr>
-            <a:r>
-              <a:rPr lang="en-US" dirty="0" smtClean="0"/>
-              <a:t>This data can be </a:t>
-            </a:r>
-          </a:p>
-          <a:p>
-            <a:pPr>
-              <a:buNone/>
-            </a:pPr>
-            <a:r>
-              <a:rPr lang="en-US" dirty="0" smtClean="0"/>
-              <a:t>	1) Writeable by the cell phone (Cell phone sends to </a:t>
+            <a:endParaRPr lang="en-US" dirty="0" smtClean="0"/>
+          </a:p>
+          <a:p>
+            <a:pPr>
+              <a:buNone/>
+            </a:pPr>
+            <a:r>
+              <a:rPr lang="en-US" b="1" u="sng" dirty="0" smtClean="0"/>
+              <a:t>On Line 22</a:t>
+            </a:r>
+            <a:r>
+              <a:rPr lang="en-US" dirty="0" smtClean="0"/>
+              <a:t>, I changed the </a:t>
+            </a:r>
+            <a:r>
+              <a:rPr lang="en-US" dirty="0" smtClean="0"/>
+              <a:t>name </a:t>
+            </a:r>
+            <a:r>
+              <a:rPr lang="en-US" dirty="0" smtClean="0"/>
+              <a:t>as it will appear</a:t>
+            </a:r>
+          </a:p>
+          <a:p>
+            <a:pPr>
+              <a:buNone/>
+            </a:pPr>
+            <a:r>
+              <a:rPr lang="en-US" dirty="0" smtClean="0"/>
+              <a:t>on my cell phone to </a:t>
+            </a:r>
+            <a:r>
+              <a:rPr lang="en-US" dirty="0" smtClean="0"/>
+              <a:t>“</a:t>
             </a:r>
             <a:r>
               <a:rPr lang="en-US" dirty="0" err="1" smtClean="0"/>
-              <a:t>RedBear</a:t>
-            </a:r>
-            <a:r>
-              <a:rPr lang="en-US" dirty="0" smtClean="0"/>
+              <a:t>BLE_Periph_JMK</a:t>
+            </a:r>
+            <a:r>
+              <a:rPr lang="en-US" dirty="0" smtClean="0"/>
+              <a:t>” to identify my device.</a:t>
+            </a:r>
+            <a:endParaRPr lang="en-US" dirty="0" smtClean="0"/>
+          </a:p>
+          <a:p>
+            <a:pPr>
+              <a:buNone/>
+            </a:pPr>
+            <a:endParaRPr lang="en-US" dirty="0" smtClean="0"/>
+          </a:p>
+          <a:p>
+            <a:pPr>
+              <a:buNone/>
+            </a:pPr>
+            <a:r>
+              <a:rPr lang="en-US" b="1" u="sng" dirty="0" smtClean="0"/>
+              <a:t>On </a:t>
+            </a:r>
+            <a:r>
+              <a:rPr lang="en-US" b="1" u="sng" dirty="0" smtClean="0"/>
+              <a:t>Line 43-46 </a:t>
+            </a:r>
+            <a:r>
+              <a:rPr lang="en-US" b="1" u="sng" dirty="0" smtClean="0"/>
               <a:t> </a:t>
             </a:r>
             <a:r>
-              <a:rPr lang="en-US" dirty="0" err="1" smtClean="0"/>
-              <a:t>Nano</a:t>
-            </a:r>
-            <a:r>
-              <a:rPr lang="en-US" dirty="0" smtClean="0"/>
-              <a:t>)</a:t>
-            </a:r>
-          </a:p>
-          <a:p>
-            <a:pPr>
-              <a:buNone/>
-            </a:pPr>
-            <a:r>
-              <a:rPr lang="en-US" dirty="0" smtClean="0"/>
-              <a:t>	2) Readable by the cell phone (</a:t>
-            </a:r>
-            <a:r>
-              <a:rPr lang="en-US" dirty="0" err="1" smtClean="0"/>
-              <a:t>RedBear</a:t>
-            </a:r>
+              <a:rPr lang="en-US" dirty="0" smtClean="0"/>
+              <a:t> comments were added </a:t>
+            </a:r>
+            <a:r>
+              <a:rPr lang="en-US" dirty="0" smtClean="0"/>
+              <a:t>to </a:t>
+            </a:r>
+            <a:r>
+              <a:rPr lang="en-US" dirty="0" smtClean="0"/>
+              <a:t>clarify  the </a:t>
+            </a:r>
+            <a:r>
+              <a:rPr lang="en-US" dirty="0" smtClean="0"/>
+              <a:t>jargon:</a:t>
+            </a:r>
+          </a:p>
+          <a:p>
+            <a:pPr>
+              <a:buNone/>
+            </a:pPr>
+            <a:endParaRPr lang="en-US" dirty="0" smtClean="0"/>
+          </a:p>
+          <a:p>
+            <a:pPr>
+              <a:buNone/>
+            </a:pPr>
+            <a:r>
+              <a:rPr lang="en-US" dirty="0" smtClean="0"/>
+              <a:t>A </a:t>
+            </a:r>
+            <a:r>
+              <a:rPr lang="en-US" dirty="0" smtClean="0"/>
+              <a:t>“characteristic” refers to </a:t>
+            </a:r>
+            <a:r>
+              <a:rPr lang="en-US" dirty="0" smtClean="0"/>
+              <a:t>data that is sent over the wireless channel.</a:t>
+            </a:r>
+          </a:p>
+          <a:p>
+            <a:pPr>
+              <a:buNone/>
+            </a:pPr>
+            <a:r>
+              <a:rPr lang="en-US" dirty="0" smtClean="0"/>
+              <a:t>This </a:t>
+            </a:r>
+            <a:r>
+              <a:rPr lang="en-US" dirty="0" smtClean="0"/>
+              <a:t>can be of different types</a:t>
+            </a:r>
+          </a:p>
+          <a:p>
+            <a:pPr>
+              <a:buNone/>
+            </a:pPr>
             <a:r>
               <a:rPr lang="en-US" dirty="0" smtClean="0"/>
               <a:t> </a:t>
             </a:r>
-            <a:r>
-              <a:rPr lang="en-US" dirty="0" err="1" smtClean="0"/>
-              <a:t>Nano</a:t>
-            </a:r>
-            <a:r>
-              <a:rPr lang="en-US" dirty="0" smtClean="0"/>
-              <a:t> sends to cell phone upon request)</a:t>
-            </a:r>
-          </a:p>
-          <a:p>
-            <a:pPr>
-              <a:buNone/>
-            </a:pPr>
-            <a:r>
-              <a:rPr lang="en-US" dirty="0" smtClean="0"/>
-              <a:t>	3) Notified to the cell phone  (</a:t>
-            </a:r>
-            <a:r>
-              <a:rPr lang="en-US" dirty="0" err="1" smtClean="0"/>
-              <a:t>RedBear</a:t>
-            </a:r>
-            <a:r>
-              <a:rPr lang="en-US" dirty="0" smtClean="0"/>
-              <a:t> </a:t>
-            </a:r>
-            <a:r>
-              <a:rPr lang="en-US" dirty="0" err="1" smtClean="0"/>
-              <a:t>Nano</a:t>
-            </a:r>
-            <a:r>
-              <a:rPr lang="en-US" dirty="0" smtClean="0"/>
-              <a:t> sends to cell phone at intervals.)</a:t>
-            </a:r>
-          </a:p>
-          <a:p>
-            <a:pPr>
-              <a:buNone/>
-            </a:pPr>
             <a:endParaRPr lang="en-US" dirty="0" smtClean="0"/>
           </a:p>
           <a:p>
             <a:pPr>
               <a:buNone/>
             </a:pPr>
+            <a:r>
+              <a:rPr lang="en-US" dirty="0" smtClean="0"/>
+              <a:t>	1) </a:t>
+            </a:r>
+            <a:r>
+              <a:rPr lang="en-US" dirty="0" smtClean="0"/>
+              <a:t>A Write Characteristic is sent by the cell phone to the IOT device.</a:t>
+            </a:r>
+            <a:endParaRPr lang="en-US" dirty="0" smtClean="0"/>
+          </a:p>
+          <a:p>
+            <a:pPr>
+              <a:buNone/>
+            </a:pPr>
+            <a:r>
+              <a:rPr lang="en-US" dirty="0" smtClean="0"/>
+              <a:t>	2) </a:t>
+            </a:r>
+            <a:r>
+              <a:rPr lang="en-US" dirty="0" smtClean="0"/>
+              <a:t>A Read Characteristic is sent by IOT device to  cell </a:t>
+            </a:r>
+            <a:r>
+              <a:rPr lang="en-US" dirty="0" smtClean="0"/>
+              <a:t>phone </a:t>
+            </a:r>
+            <a:r>
+              <a:rPr lang="en-US" dirty="0" smtClean="0"/>
+              <a:t>upon request.</a:t>
+            </a:r>
+            <a:endParaRPr lang="en-US" dirty="0" smtClean="0"/>
+          </a:p>
+          <a:p>
+            <a:pPr>
+              <a:buNone/>
+            </a:pPr>
+            <a:r>
+              <a:rPr lang="en-US" dirty="0" smtClean="0"/>
+              <a:t>	3</a:t>
+            </a:r>
+            <a:r>
+              <a:rPr lang="en-US" dirty="0" smtClean="0"/>
+              <a:t>) A Notify Characteristic is sent by  IOT  device to cell </a:t>
+            </a:r>
+            <a:r>
+              <a:rPr lang="en-US" dirty="0" smtClean="0"/>
+              <a:t>phone </a:t>
+            </a:r>
+            <a:r>
+              <a:rPr lang="en-US" dirty="0" smtClean="0"/>
+              <a:t>automatically. </a:t>
+            </a:r>
             <a:endParaRPr lang="en-US" dirty="0"/>
           </a:p>
         </p:txBody>
@@ -4876,164 +5293,257 @@
         </p:spPr>
         <p:txBody>
           <a:bodyPr>
-            <a:normAutofit fontScale="70000" lnSpcReduction="20000"/>
+            <a:normAutofit/>
           </a:bodyPr>
           <a:lstStyle/>
           <a:p>
-            <a:pPr>
-              <a:buNone/>
-            </a:pPr>
-            <a:endParaRPr lang="en-US" dirty="0" smtClean="0"/>
-          </a:p>
-          <a:p>
-            <a:pPr>
-              <a:buNone/>
-            </a:pPr>
-            <a:r>
-              <a:rPr lang="en-US" dirty="0" smtClean="0"/>
-              <a:t>For my modifications a very important function was called</a:t>
-            </a:r>
-          </a:p>
-          <a:p>
-            <a:pPr>
-              <a:buNone/>
-            </a:pPr>
-            <a:r>
-              <a:rPr lang="en-US" dirty="0" smtClean="0"/>
+            <a:pPr algn="ctr">
+              <a:buNone/>
+            </a:pPr>
+            <a:r>
+              <a:rPr lang="en-US" sz="2400" dirty="0" smtClean="0"/>
+              <a:t>(Code slide </a:t>
+            </a:r>
+            <a:r>
+              <a:rPr lang="en-US" sz="2400" dirty="0" smtClean="0"/>
+              <a:t>2)</a:t>
+            </a:r>
+          </a:p>
+          <a:p>
+            <a:pPr>
+              <a:buNone/>
+            </a:pPr>
+            <a:r>
+              <a:rPr lang="en-US" sz="2600" dirty="0" smtClean="0"/>
+              <a:t>A </a:t>
+            </a:r>
+            <a:r>
+              <a:rPr lang="en-US" sz="2600" dirty="0" smtClean="0"/>
+              <a:t>very important function is </a:t>
+            </a:r>
+            <a:r>
+              <a:rPr lang="en-US" sz="2600" dirty="0" smtClean="0"/>
               <a:t>"</a:t>
             </a:r>
             <a:r>
-              <a:rPr lang="en-US" dirty="0" err="1" smtClean="0"/>
+              <a:rPr lang="en-US" sz="2600" dirty="0" err="1" smtClean="0"/>
               <a:t>gattServerWriteCallBack</a:t>
             </a:r>
             <a:r>
-              <a:rPr lang="en-US" dirty="0" smtClean="0"/>
+              <a:rPr lang="en-US" sz="2600" dirty="0" smtClean="0"/>
               <a:t>(..)" </a:t>
             </a:r>
-          </a:p>
-          <a:p>
-            <a:pPr>
-              <a:buNone/>
-            </a:pPr>
-            <a:endParaRPr lang="en-US" dirty="0" smtClean="0"/>
-          </a:p>
-          <a:p>
-            <a:pPr>
-              <a:buNone/>
-            </a:pPr>
-            <a:r>
-              <a:rPr lang="en-US" dirty="0" smtClean="0"/>
-              <a:t>This is an event handler (A.K.A - call back function)</a:t>
-            </a:r>
-          </a:p>
-          <a:p>
-            <a:pPr>
-              <a:buNone/>
-            </a:pPr>
-            <a:r>
-              <a:rPr lang="en-US" dirty="0" smtClean="0"/>
-              <a:t>that occurs when the BLE </a:t>
-            </a:r>
-            <a:r>
-              <a:rPr lang="en-US" dirty="0" err="1" smtClean="0"/>
+            <a:endParaRPr lang="en-US" sz="2600" dirty="0" smtClean="0"/>
+          </a:p>
+          <a:p>
+            <a:pPr>
+              <a:buNone/>
+            </a:pPr>
+            <a:endParaRPr lang="en-US" sz="2600" dirty="0" smtClean="0"/>
+          </a:p>
+          <a:p>
+            <a:pPr>
+              <a:buNone/>
+            </a:pPr>
+            <a:r>
+              <a:rPr lang="en-US" sz="2400" dirty="0" smtClean="0"/>
+              <a:t>This </a:t>
+            </a:r>
+            <a:r>
+              <a:rPr lang="en-US" sz="2400" dirty="0" smtClean="0"/>
+              <a:t>is an event handler </a:t>
+            </a:r>
+            <a:r>
+              <a:rPr lang="en-US" sz="2400" dirty="0" smtClean="0"/>
+              <a:t>(a </a:t>
+            </a:r>
+            <a:r>
+              <a:rPr lang="en-US" sz="2400" dirty="0" smtClean="0"/>
+              <a:t>call back function</a:t>
+            </a:r>
+            <a:r>
+              <a:rPr lang="en-US" sz="2400" dirty="0" smtClean="0"/>
+              <a:t>) that </a:t>
+            </a:r>
+            <a:r>
+              <a:rPr lang="en-US" sz="2400" dirty="0" smtClean="0"/>
+              <a:t>occurs </a:t>
+            </a:r>
+            <a:r>
+              <a:rPr lang="en-US" sz="2400" dirty="0" smtClean="0"/>
+              <a:t>when</a:t>
+            </a:r>
+          </a:p>
+          <a:p>
+            <a:pPr>
+              <a:buNone/>
+            </a:pPr>
+            <a:r>
+              <a:rPr lang="en-US" sz="2400" dirty="0" smtClean="0"/>
+              <a:t>the </a:t>
+            </a:r>
+            <a:r>
+              <a:rPr lang="en-US" sz="2400" dirty="0" smtClean="0"/>
+              <a:t>BLE </a:t>
+            </a:r>
+            <a:r>
+              <a:rPr lang="en-US" sz="2400" dirty="0" err="1" smtClean="0"/>
               <a:t>nano</a:t>
             </a:r>
             <a:r>
-              <a:rPr lang="en-US" dirty="0" smtClean="0"/>
-              <a:t> receives data from cell phone.</a:t>
-            </a:r>
-          </a:p>
-          <a:p>
-            <a:pPr>
-              <a:buNone/>
-            </a:pPr>
-            <a:endParaRPr lang="en-US" dirty="0" smtClean="0"/>
-          </a:p>
-          <a:p>
-            <a:pPr>
-              <a:buNone/>
-            </a:pPr>
-            <a:r>
-              <a:rPr lang="en-US" dirty="0" smtClean="0"/>
-              <a:t>When that first kind of characteristic one that is writable</a:t>
-            </a:r>
-          </a:p>
-          <a:p>
-            <a:pPr>
-              <a:buNone/>
-            </a:pPr>
-            <a:r>
-              <a:rPr lang="en-US" dirty="0" smtClean="0"/>
-              <a:t>(referred to characteristic #1 in the program)</a:t>
-            </a:r>
-          </a:p>
-          <a:p>
-            <a:pPr>
-              <a:buNone/>
-            </a:pPr>
-            <a:r>
-              <a:rPr lang="en-US" dirty="0" smtClean="0"/>
-              <a:t>is written sent to the BLE </a:t>
-            </a:r>
-            <a:r>
-              <a:rPr lang="en-US" dirty="0" err="1" smtClean="0"/>
+              <a:rPr lang="en-US" sz="2400" dirty="0" smtClean="0"/>
+              <a:t> receives data from cell </a:t>
+            </a:r>
+            <a:r>
+              <a:rPr lang="en-US" sz="2400" dirty="0" smtClean="0"/>
+              <a:t>phone</a:t>
+            </a:r>
+            <a:r>
+              <a:rPr lang="en-US" sz="2400" dirty="0" smtClean="0"/>
+              <a:t>.</a:t>
+            </a:r>
+          </a:p>
+          <a:p>
+            <a:pPr>
+              <a:buNone/>
+            </a:pPr>
+            <a:endParaRPr lang="en-US" sz="1700" dirty="0" smtClean="0"/>
+          </a:p>
+          <a:p>
+            <a:pPr>
+              <a:buNone/>
+            </a:pPr>
+            <a:r>
+              <a:rPr lang="en-US" sz="2000" dirty="0" smtClean="0"/>
+              <a:t>This occurs when data sent by the cell Phone is received by  the </a:t>
+            </a:r>
+            <a:r>
+              <a:rPr lang="en-US" sz="2000" dirty="0" err="1" smtClean="0"/>
               <a:t>Nano</a:t>
             </a:r>
             <a:r>
-              <a:rPr lang="en-US" dirty="0" smtClean="0"/>
-              <a:t> by the cell phone, this call back</a:t>
-            </a:r>
-          </a:p>
-          <a:p>
-            <a:pPr>
-              <a:buNone/>
-            </a:pPr>
-            <a:r>
-              <a:rPr lang="en-US" dirty="0" smtClean="0"/>
-              <a:t>is happens when the written data is received.</a:t>
-            </a:r>
-          </a:p>
-          <a:p>
-            <a:pPr>
-              <a:buNone/>
-            </a:pPr>
-            <a:endParaRPr lang="en-US" dirty="0" smtClean="0"/>
-          </a:p>
-          <a:p>
-            <a:pPr>
-              <a:buNone/>
-            </a:pPr>
-            <a:r>
-              <a:rPr lang="en-US" dirty="0" smtClean="0"/>
-              <a:t>What I added are the two lines 184 and 185 that take this data and </a:t>
-            </a:r>
-          </a:p>
-          <a:p>
-            <a:pPr>
-              <a:buNone/>
-            </a:pPr>
-            <a:r>
-              <a:rPr lang="en-US" dirty="0" smtClean="0"/>
-              <a:t>use it to change also the Read characteristic (#2)</a:t>
-            </a:r>
-          </a:p>
-          <a:p>
-            <a:pPr>
-              <a:buNone/>
-            </a:pPr>
-            <a:r>
-              <a:rPr lang="en-US" dirty="0" smtClean="0"/>
-              <a:t>That way the user of the cell phone can latter request a </a:t>
-            </a:r>
-          </a:p>
-          <a:p>
-            <a:pPr>
-              <a:buNone/>
-            </a:pPr>
-            <a:r>
-              <a:rPr lang="en-US" dirty="0" smtClean="0"/>
-              <a:t>read back of this data to verify what was sent, was received.</a:t>
-            </a:r>
+              <a:rPr lang="en-US" sz="2000" dirty="0" smtClean="0"/>
+              <a:t>.</a:t>
+            </a:r>
+          </a:p>
+          <a:p>
+            <a:pPr>
+              <a:buNone/>
+            </a:pPr>
+            <a:endParaRPr lang="en-US" sz="2000" dirty="0" smtClean="0"/>
+          </a:p>
+          <a:p>
+            <a:pPr>
+              <a:buNone/>
+            </a:pPr>
+            <a:r>
+              <a:rPr lang="en-US" sz="2000" dirty="0" smtClean="0"/>
+              <a:t>A lines184 </a:t>
+            </a:r>
+            <a:r>
+              <a:rPr lang="en-US" sz="2000" dirty="0" smtClean="0"/>
+              <a:t>and 185 I added </a:t>
+            </a:r>
+            <a:r>
+              <a:rPr lang="en-US" sz="2000" dirty="0" smtClean="0"/>
+              <a:t>code to assign </a:t>
+            </a:r>
+            <a:r>
+              <a:rPr lang="en-US" sz="2000" dirty="0" smtClean="0"/>
+              <a:t>the data in the </a:t>
+            </a:r>
+            <a:r>
+              <a:rPr lang="en-US" sz="2000" dirty="0" smtClean="0"/>
+              <a:t>Write </a:t>
+            </a:r>
+          </a:p>
+          <a:p>
+            <a:pPr>
+              <a:buNone/>
+            </a:pPr>
+            <a:r>
+              <a:rPr lang="en-US" sz="2000" dirty="0" smtClean="0"/>
+              <a:t>characteristic#1 also to  the Read characteristic#2</a:t>
+            </a:r>
+          </a:p>
+          <a:p>
+            <a:pPr>
+              <a:buNone/>
+            </a:pPr>
+            <a:endParaRPr lang="en-US" sz="2000" dirty="0" smtClean="0"/>
+          </a:p>
+          <a:p>
+            <a:pPr>
+              <a:buNone/>
+            </a:pPr>
+            <a:r>
+              <a:rPr lang="en-US" sz="2000" dirty="0" smtClean="0"/>
+              <a:t>That way </a:t>
+            </a:r>
+            <a:r>
+              <a:rPr lang="en-US" sz="2000" dirty="0" smtClean="0"/>
+              <a:t>user </a:t>
+            </a:r>
+            <a:r>
+              <a:rPr lang="en-US" sz="2000" dirty="0" smtClean="0"/>
+              <a:t>of the cell phone can latter request a </a:t>
+            </a:r>
+            <a:r>
+              <a:rPr lang="en-US" sz="2000" dirty="0" smtClean="0"/>
+              <a:t>read of </a:t>
+            </a:r>
+            <a:r>
+              <a:rPr lang="en-US" sz="2000" dirty="0" smtClean="0"/>
+              <a:t>this data to </a:t>
+            </a:r>
+            <a:r>
+              <a:rPr lang="en-US" sz="2000" dirty="0" smtClean="0"/>
+              <a:t>verify</a:t>
+            </a:r>
+          </a:p>
+          <a:p>
+            <a:pPr>
+              <a:buNone/>
+            </a:pPr>
+            <a:r>
+              <a:rPr lang="en-US" sz="2000" dirty="0" smtClean="0"/>
+              <a:t>that </a:t>
+            </a:r>
+            <a:r>
+              <a:rPr lang="en-US" sz="2000" dirty="0" smtClean="0"/>
+              <a:t>whatever was sent, was </a:t>
+            </a:r>
+            <a:r>
+              <a:rPr lang="en-US" sz="2000" dirty="0" smtClean="0"/>
+              <a:t>received.</a:t>
+            </a:r>
+          </a:p>
+          <a:p>
+            <a:pPr>
+              <a:buNone/>
+            </a:pPr>
+            <a:r>
+              <a:rPr lang="en-US" sz="1800" i="1" dirty="0" smtClean="0"/>
+              <a:t>(This is known as  a Loop Back test.)</a:t>
+            </a:r>
+          </a:p>
+          <a:p>
+            <a:pPr>
+              <a:buNone/>
+            </a:pPr>
+            <a:endParaRPr lang="en-US" sz="2000" dirty="0" smtClean="0"/>
+          </a:p>
+          <a:p>
+            <a:pPr>
+              <a:buNone/>
+            </a:pPr>
+            <a:endParaRPr lang="en-US" sz="2000" dirty="0" smtClean="0"/>
+          </a:p>
+          <a:p>
+            <a:pPr>
+              <a:buNone/>
+            </a:pPr>
+            <a:endParaRPr lang="en-US" sz="2400" dirty="0" smtClean="0"/>
           </a:p>
           <a:p>
             <a:pPr>
@@ -5093,10 +5603,19 @@
         </p:spPr>
         <p:txBody>
           <a:bodyPr>
-            <a:normAutofit fontScale="77500" lnSpcReduction="20000"/>
+            <a:normAutofit fontScale="62500" lnSpcReduction="20000"/>
           </a:bodyPr>
           <a:lstStyle/>
           <a:p>
+            <a:pPr algn="ctr">
+              <a:buNone/>
+            </a:pPr>
+            <a:r>
+              <a:rPr lang="en-US" dirty="0" smtClean="0"/>
+              <a:t>(Code Slide 3)</a:t>
+            </a:r>
+          </a:p>
+          <a:p>
             <a:pPr>
               <a:buNone/>
             </a:pPr>
@@ -5107,14 +5626,25 @@
               <a:buNone/>
             </a:pPr>
             <a:r>
-              <a:rPr lang="en-US" dirty="0" smtClean="0"/>
-              <a:t>This is the callback function for the 1 second time </a:t>
+              <a:rPr lang="en-US" dirty="0" err="1" smtClean="0"/>
+              <a:t>taskHandle</a:t>
+            </a:r>
+            <a:r>
+              <a:rPr lang="en-US" dirty="0" smtClean="0"/>
+              <a:t>(void) is the callback </a:t>
+            </a:r>
+            <a:r>
+              <a:rPr lang="en-US" dirty="0" smtClean="0"/>
+              <a:t> </a:t>
+            </a:r>
+            <a:r>
+              <a:rPr lang="en-US" dirty="0" smtClean="0"/>
+              <a:t>for the 1 second time </a:t>
             </a:r>
             <a:r>
               <a:rPr lang="en-US" dirty="0"/>
               <a:t>task.</a:t>
             </a:r>
-            <a:endParaRPr lang="en-US" dirty="0"/>
           </a:p>
           <a:p>
             <a:pPr>
@@ -5127,53 +5657,54 @@
               <a:buNone/>
             </a:pPr>
             <a:r>
-              <a:rPr lang="en-US" dirty="0" smtClean="0"/>
-              <a:t>I Eliminated a repetitive call to the BLE </a:t>
-            </a:r>
-            <a:r>
-              <a:rPr lang="en-US" dirty="0" err="1"/>
-              <a:t>N</a:t>
+              <a:rPr lang="en-US" b="1" u="sng" dirty="0" smtClean="0"/>
+              <a:t>At </a:t>
+            </a:r>
+            <a:r>
+              <a:rPr lang="en-US" b="1" u="sng" dirty="0" smtClean="0"/>
+              <a:t>line </a:t>
+            </a:r>
+            <a:r>
+              <a:rPr lang="en-US" b="1" u="sng" dirty="0" smtClean="0"/>
+              <a:t>196:  </a:t>
+            </a:r>
+            <a:r>
+              <a:rPr lang="en-US" dirty="0" smtClean="0"/>
+              <a:t>I </a:t>
+            </a:r>
+            <a:r>
+              <a:rPr lang="en-US" dirty="0" smtClean="0"/>
+              <a:t>Eliminated a </a:t>
+            </a:r>
+            <a:r>
+              <a:rPr lang="en-US" dirty="0" smtClean="0"/>
+              <a:t> </a:t>
             </a:r>
             <a:r>
               <a:rPr lang="en-US" dirty="0" err="1" smtClean="0"/>
-              <a:t>ano</a:t>
-            </a:r>
-            <a:r>
-              <a:rPr lang="en-US" dirty="0" smtClean="0"/>
-              <a:t> debug serial</a:t>
-            </a:r>
-          </a:p>
-          <a:p>
-            <a:pPr>
-              <a:buNone/>
-            </a:pPr>
-            <a:r>
-              <a:rPr lang="en-US" dirty="0" smtClean="0"/>
-              <a:t>port, at line 196, and added instead an LED blink at lines </a:t>
-            </a:r>
-          </a:p>
-          <a:p>
-            <a:pPr>
-              <a:buNone/>
-            </a:pPr>
-            <a:r>
-              <a:rPr lang="en-US" dirty="0" smtClean="0"/>
-              <a:t>213-214. This makes reading more important serial output</a:t>
-            </a:r>
-          </a:p>
-          <a:p>
-            <a:pPr>
-              <a:buNone/>
-            </a:pPr>
-            <a:r>
-              <a:rPr lang="en-US" dirty="0" smtClean="0"/>
-              <a:t>easier.</a:t>
-            </a:r>
-          </a:p>
-          <a:p>
-            <a:pPr>
-              <a:buNone/>
-            </a:pPr>
+              <a:t>Serial.println</a:t>
+            </a:r>
+            <a:r>
+              <a:rPr lang="en-US" dirty="0" smtClean="0"/>
+              <a:t> call and </a:t>
+            </a:r>
+          </a:p>
+          <a:p>
+            <a:pPr>
+              <a:buNone/>
+            </a:pPr>
+            <a:r>
+              <a:rPr lang="en-US" dirty="0" smtClean="0"/>
+              <a:t>At line 218-19  I added </a:t>
+            </a:r>
+            <a:r>
+              <a:rPr lang="en-US" dirty="0" smtClean="0"/>
+              <a:t>instead an LED </a:t>
+            </a:r>
+            <a:r>
+              <a:rPr lang="en-US" dirty="0" smtClean="0"/>
+              <a:t>blink, instead.</a:t>
+            </a:r>
             <a:endParaRPr lang="en-US" dirty="0" smtClean="0"/>
           </a:p>
           <a:p>
@@ -5182,16 +5713,28 @@
             </a:pPr>
             <a:r>
               <a:rPr lang="en-US" dirty="0" smtClean="0"/>
-              <a:t>I also put in some comments pointing out how this 1 second</a:t>
-            </a:r>
-          </a:p>
-          <a:p>
-            <a:pPr>
-              <a:buNone/>
-            </a:pPr>
-            <a:r>
-              <a:rPr lang="en-US" dirty="0" smtClean="0"/>
-              <a:t>task updates the custom Notify characteristic #3 </a:t>
+              <a:t>It replaces debug output with a blinking led to indicate this task is </a:t>
+            </a:r>
+          </a:p>
+          <a:p>
+            <a:pPr>
+              <a:buNone/>
+            </a:pPr>
+            <a:r>
+              <a:rPr lang="en-US" dirty="0" smtClean="0"/>
+              <a:t>working. </a:t>
+            </a:r>
+            <a:r>
+              <a:rPr lang="en-US" dirty="0" smtClean="0"/>
+              <a:t>This makes reading </a:t>
+            </a:r>
+            <a:r>
+              <a:rPr lang="en-US" dirty="0" smtClean="0"/>
+              <a:t>other debug </a:t>
+            </a:r>
+            <a:r>
+              <a:rPr lang="en-US" dirty="0" smtClean="0"/>
+              <a:t>output easier.</a:t>
             </a:r>
           </a:p>
           <a:p>
@@ -5206,31 +5749,99 @@
             </a:pPr>
             <a:r>
               <a:rPr lang="en-US" dirty="0" smtClean="0"/>
-              <a:t>This 1 second task also updates (simulates) a changing heart </a:t>
-            </a:r>
-          </a:p>
-          <a:p>
-            <a:pPr>
-              <a:buNone/>
-            </a:pPr>
-            <a:r>
-              <a:rPr lang="en-US" dirty="0" smtClean="0"/>
-              <a:t>beat value for the heart rate update service On line 207.</a:t>
-            </a:r>
-          </a:p>
-          <a:p>
-            <a:pPr>
-              <a:buNone/>
-            </a:pPr>
+              <a:t>I also put in  a long  comment on how I </a:t>
+            </a:r>
+            <a:r>
+              <a:rPr lang="en-US" dirty="0" smtClean="0"/>
+              <a:t>located </a:t>
+            </a:r>
+            <a:r>
+              <a:rPr lang="en-US" dirty="0" smtClean="0"/>
+              <a:t>the port for the LED</a:t>
+            </a:r>
             <a:endParaRPr lang="en-US" dirty="0" smtClean="0"/>
           </a:p>
           <a:p>
             <a:pPr>
               <a:buNone/>
             </a:pPr>
-            <a:r>
-              <a:rPr lang="en-US" dirty="0" smtClean="0"/>
-              <a:t>Heart rate simulation is typical BLE sample code.</a:t>
+            <a:endParaRPr lang="en-US" dirty="0" smtClean="0"/>
+          </a:p>
+          <a:p>
+            <a:pPr>
+              <a:buNone/>
+            </a:pPr>
+            <a:r>
+              <a:rPr lang="en-US" dirty="0" err="1" smtClean="0"/>
+              <a:t>Asside</a:t>
+            </a:r>
+            <a:r>
+              <a:rPr lang="en-US" dirty="0" smtClean="0"/>
+              <a:t>:</a:t>
+            </a:r>
+            <a:endParaRPr lang="en-US" dirty="0" smtClean="0"/>
+          </a:p>
+          <a:p>
+            <a:pPr>
+              <a:buNone/>
+            </a:pPr>
+            <a:r>
+              <a:rPr lang="en-US" dirty="0" smtClean="0"/>
+              <a:t>I a</a:t>
+            </a:r>
+            <a:r>
+              <a:rPr lang="en-US" dirty="0" smtClean="0"/>
+              <a:t>lso added comments pointing out where this task </a:t>
+            </a:r>
+            <a:r>
+              <a:rPr lang="en-US" dirty="0" smtClean="0"/>
+              <a:t>updates </a:t>
+            </a:r>
+            <a:endParaRPr lang="en-US" dirty="0" smtClean="0"/>
+          </a:p>
+          <a:p>
+            <a:pPr>
+              <a:buNone/>
+            </a:pPr>
+            <a:r>
+              <a:rPr lang="en-US" dirty="0" smtClean="0"/>
+              <a:t>custom </a:t>
+            </a:r>
+            <a:r>
+              <a:rPr lang="en-US" dirty="0" smtClean="0"/>
+              <a:t>Notify characteristic #</a:t>
+            </a:r>
+            <a:r>
+              <a:rPr lang="en-US" dirty="0" smtClean="0"/>
+              <a:t>3, and also where it loads a new simulated</a:t>
+            </a:r>
+          </a:p>
+          <a:p>
+            <a:pPr>
+              <a:buNone/>
+            </a:pPr>
+            <a:r>
+              <a:rPr lang="en-US" dirty="0" smtClean="0"/>
+              <a:t>heart beat rate every second.</a:t>
+            </a:r>
+          </a:p>
+          <a:p>
+            <a:pPr>
+              <a:buNone/>
+            </a:pPr>
+            <a:endParaRPr lang="en-US" dirty="0" smtClean="0"/>
+          </a:p>
+          <a:p>
+            <a:pPr>
+              <a:buNone/>
+            </a:pPr>
+            <a:r>
+              <a:rPr lang="en-US" dirty="0" smtClean="0"/>
+              <a:t>Heart </a:t>
+            </a:r>
+            <a:r>
+              <a:rPr lang="en-US" dirty="0" smtClean="0"/>
+              <a:t>rate simulation is typical BLE sample code.</a:t>
             </a:r>
             <a:endParaRPr lang="en-US" dirty="0"/>
           </a:p>
@@ -5288,12 +5899,41 @@
           <a:bodyPr/>
           <a:lstStyle/>
           <a:p>
-            <a:pPr>
-              <a:buNone/>
-            </a:pPr>
-            <a:r>
-              <a:rPr lang="en-US" sz="2800" dirty="0" smtClean="0"/>
-              <a:t>The "loop()" is where non event related code gets put </a:t>
+            <a:pPr algn="ctr">
+              <a:buNone/>
+            </a:pPr>
+            <a:r>
+              <a:rPr lang="en-US" sz="2000" dirty="0" smtClean="0"/>
+              <a:t>(Code Slide 4)</a:t>
+            </a:r>
+            <a:endParaRPr lang="en-US" sz="2000" dirty="0" smtClean="0"/>
+          </a:p>
+          <a:p>
+            <a:pPr>
+              <a:buNone/>
+            </a:pPr>
+            <a:r>
+              <a:rPr lang="en-US" sz="2800" dirty="0" smtClean="0"/>
+              <a:t>Finally,</a:t>
+            </a:r>
+          </a:p>
+          <a:p>
+            <a:pPr>
+              <a:buNone/>
+            </a:pPr>
+            <a:endParaRPr lang="en-US" sz="1800" dirty="0" smtClean="0"/>
+          </a:p>
+          <a:p>
+            <a:pPr>
+              <a:buNone/>
+            </a:pPr>
+            <a:r>
+              <a:rPr lang="en-US" sz="2800" dirty="0" smtClean="0"/>
+              <a:t>The </a:t>
+            </a:r>
+            <a:r>
+              <a:rPr lang="en-US" sz="2800" dirty="0" smtClean="0"/>
+              <a:t>"loop()" is where non event related code gets put </a:t>
             </a:r>
           </a:p>
           <a:p>
@@ -5317,7 +5957,7 @@
             <a:pPr>
               <a:buNone/>
             </a:pPr>
-            <a:endParaRPr lang="en-US" sz="2800" dirty="0" smtClean="0"/>
+            <a:endParaRPr lang="en-US" sz="2000" dirty="0" smtClean="0"/>
           </a:p>
           <a:p>
             <a:pPr>
@@ -5341,7 +5981,7 @@
             <a:pPr>
               <a:buNone/>
             </a:pPr>
-            <a:endParaRPr lang="en-US" sz="2800" dirty="0" smtClean="0"/>
+            <a:endParaRPr lang="en-US" sz="2000" dirty="0" smtClean="0"/>
           </a:p>
           <a:p>
             <a:pPr>
@@ -5465,8 +6105,13 @@
             </a:pPr>
             <a:r>
               <a:rPr lang="en-US" dirty="0" smtClean="0"/>
-              <a:t>cable with a free PC program called Visor.</a:t>
-            </a:r>
+              <a:t>cable with a free PC program called </a:t>
+            </a:r>
+            <a:r>
+              <a:rPr lang="en-US" dirty="0" smtClean="0"/>
+              <a:t>“Visor”.</a:t>
+            </a:r>
+            <a:endParaRPr lang="en-US" dirty="0" smtClean="0"/>
           </a:p>
           <a:p>
             <a:pPr>
